--- a/2022/XMasDev/WebAssembly-XMASDEV2022.pptx
+++ b/2022/XMasDev/WebAssembly-XMASDEV2022.pptx
@@ -8,26 +8,28 @@
     <p:sldId id="256" r:id="rId2"/>
     <p:sldId id="266" r:id="rId3"/>
     <p:sldId id="267" r:id="rId4"/>
-    <p:sldId id="283" r:id="rId5"/>
-    <p:sldId id="284" r:id="rId6"/>
-    <p:sldId id="285" r:id="rId7"/>
-    <p:sldId id="270" r:id="rId8"/>
-    <p:sldId id="271" r:id="rId9"/>
+    <p:sldId id="299" r:id="rId5"/>
+    <p:sldId id="283" r:id="rId6"/>
+    <p:sldId id="284" r:id="rId7"/>
+    <p:sldId id="285" r:id="rId8"/>
+    <p:sldId id="270" r:id="rId9"/>
     <p:sldId id="272" r:id="rId10"/>
-    <p:sldId id="273" r:id="rId11"/>
-    <p:sldId id="274" r:id="rId12"/>
-    <p:sldId id="287" r:id="rId13"/>
-    <p:sldId id="276" r:id="rId14"/>
-    <p:sldId id="278" r:id="rId15"/>
-    <p:sldId id="279" r:id="rId16"/>
-    <p:sldId id="280" r:id="rId17"/>
-    <p:sldId id="294" r:id="rId18"/>
-    <p:sldId id="291" r:id="rId19"/>
-    <p:sldId id="290" r:id="rId20"/>
-    <p:sldId id="293" r:id="rId21"/>
-    <p:sldId id="289" r:id="rId22"/>
-    <p:sldId id="268" r:id="rId23"/>
-    <p:sldId id="260" r:id="rId24"/>
+    <p:sldId id="271" r:id="rId11"/>
+    <p:sldId id="297" r:id="rId12"/>
+    <p:sldId id="273" r:id="rId13"/>
+    <p:sldId id="274" r:id="rId14"/>
+    <p:sldId id="287" r:id="rId15"/>
+    <p:sldId id="295" r:id="rId16"/>
+    <p:sldId id="278" r:id="rId17"/>
+    <p:sldId id="279" r:id="rId18"/>
+    <p:sldId id="280" r:id="rId19"/>
+    <p:sldId id="294" r:id="rId20"/>
+    <p:sldId id="291" r:id="rId21"/>
+    <p:sldId id="290" r:id="rId22"/>
+    <p:sldId id="293" r:id="rId23"/>
+    <p:sldId id="289" r:id="rId24"/>
+    <p:sldId id="268" r:id="rId25"/>
+    <p:sldId id="260" r:id="rId26"/>
   </p:sldIdLst>
   <p:sldSz cx="12192000" cy="6858000"/>
   <p:notesSz cx="6858000" cy="9144000"/>
@@ -238,7 +240,7 @@
           <a:p>
             <a:fld id="{727297A4-9A49-8F45-8BB8-FCFEA36B5158}" type="slidenum">
               <a:rPr lang="it-IT" smtClean="0"/>
-              <a:t>‹N›</a:t>
+              <a:t>‹#›</a:t>
             </a:fld>
             <a:endParaRPr lang="it-IT" dirty="0"/>
           </a:p>
@@ -406,7 +408,7 @@
           <a:p>
             <a:fld id="{727297A4-9A49-8F45-8BB8-FCFEA36B5158}" type="slidenum">
               <a:rPr lang="it-IT" smtClean="0"/>
-              <a:t>‹N›</a:t>
+              <a:t>‹#›</a:t>
             </a:fld>
             <a:endParaRPr lang="it-IT"/>
           </a:p>
@@ -499,7 +501,7 @@
           <a:p>
             <a:fld id="{727297A4-9A49-8F45-8BB8-FCFEA36B5158}" type="slidenum">
               <a:rPr lang="it-IT" smtClean="0"/>
-              <a:t>‹N›</a:t>
+              <a:t>‹#›</a:t>
             </a:fld>
             <a:endParaRPr lang="it-IT"/>
           </a:p>
@@ -770,7 +772,7 @@
           <a:p>
             <a:fld id="{727297A4-9A49-8F45-8BB8-FCFEA36B5158}" type="slidenum">
               <a:rPr lang="it-IT" smtClean="0"/>
-              <a:t>‹N›</a:t>
+              <a:t>‹#›</a:t>
             </a:fld>
             <a:endParaRPr lang="it-IT"/>
           </a:p>
@@ -1046,7 +1048,7 @@
           <a:p>
             <a:fld id="{727297A4-9A49-8F45-8BB8-FCFEA36B5158}" type="slidenum">
               <a:rPr lang="it-IT" smtClean="0"/>
-              <a:t>‹N›</a:t>
+              <a:t>‹#›</a:t>
             </a:fld>
             <a:endParaRPr lang="it-IT"/>
           </a:p>
@@ -1199,7 +1201,7 @@
           <a:p>
             <a:fld id="{727297A4-9A49-8F45-8BB8-FCFEA36B5158}" type="slidenum">
               <a:rPr lang="it-IT" smtClean="0"/>
-              <a:t>‹N›</a:t>
+              <a:t>‹#›</a:t>
             </a:fld>
             <a:endParaRPr lang="it-IT"/>
           </a:p>
@@ -1362,7 +1364,7 @@
           <a:p>
             <a:fld id="{727297A4-9A49-8F45-8BB8-FCFEA36B5158}" type="slidenum">
               <a:rPr lang="it-IT" smtClean="0"/>
-              <a:t>‹N›</a:t>
+              <a:t>‹#›</a:t>
             </a:fld>
             <a:endParaRPr lang="it-IT"/>
           </a:p>
@@ -1596,7 +1598,7 @@
           <a:p>
             <a:fld id="{727297A4-9A49-8F45-8BB8-FCFEA36B5158}" type="slidenum">
               <a:rPr lang="it-IT" smtClean="0"/>
-              <a:t>‹N›</a:t>
+              <a:t>‹#›</a:t>
             </a:fld>
             <a:endParaRPr lang="it-IT"/>
           </a:p>
@@ -2576,7 +2578,7 @@
           <a:p>
             <a:fld id="{727297A4-9A49-8F45-8BB8-FCFEA36B5158}" type="slidenum">
               <a:rPr lang="it-IT" smtClean="0"/>
-              <a:t>‹N›</a:t>
+              <a:t>‹#›</a:t>
             </a:fld>
             <a:endParaRPr lang="it-IT"/>
           </a:p>
@@ -2841,7 +2843,7 @@
           <a:p>
             <a:fld id="{727297A4-9A49-8F45-8BB8-FCFEA36B5158}" type="slidenum">
               <a:rPr lang="it-IT" smtClean="0"/>
-              <a:t>‹N›</a:t>
+              <a:t>‹#›</a:t>
             </a:fld>
             <a:endParaRPr lang="it-IT"/>
           </a:p>
@@ -3036,7 +3038,7 @@
           <a:p>
             <a:fld id="{727297A4-9A49-8F45-8BB8-FCFEA36B5158}" type="slidenum">
               <a:rPr lang="it-IT" smtClean="0"/>
-              <a:t>‹N›</a:t>
+              <a:t>‹#›</a:t>
             </a:fld>
             <a:endParaRPr lang="it-IT"/>
           </a:p>
@@ -3393,7 +3395,7 @@
           <a:p>
             <a:fld id="{727297A4-9A49-8F45-8BB8-FCFEA36B5158}" type="slidenum">
               <a:rPr lang="it-IT" smtClean="0"/>
-              <a:t>‹N›</a:t>
+              <a:t>‹#›</a:t>
             </a:fld>
             <a:endParaRPr lang="it-IT"/>
           </a:p>
@@ -3682,7 +3684,7 @@
           <a:p>
             <a:fld id="{727297A4-9A49-8F45-8BB8-FCFEA36B5158}" type="slidenum">
               <a:rPr lang="it-IT" smtClean="0"/>
-              <a:t>‹N›</a:t>
+              <a:t>‹#›</a:t>
             </a:fld>
             <a:endParaRPr lang="it-IT"/>
           </a:p>
@@ -4032,6 +4034,1103 @@
 <file path=ppt/slides/slide10.xml><?xml version="1.0" encoding="utf-8"?>
 <p:sld xmlns:a="http://schemas.openxmlformats.org/drawingml/2006/main" xmlns:r="http://schemas.openxmlformats.org/officeDocument/2006/relationships" xmlns:p="http://schemas.openxmlformats.org/presentationml/2006/main">
   <p:cSld>
+    <p:bg>
+      <p:bgPr>
+        <a:solidFill>
+          <a:schemeClr val="bg1"/>
+        </a:solidFill>
+        <a:effectLst/>
+      </p:bgPr>
+    </p:bg>
+    <p:spTree>
+      <p:nvGrpSpPr>
+        <p:cNvPr id="1" name=""/>
+        <p:cNvGrpSpPr/>
+        <p:nvPr/>
+      </p:nvGrpSpPr>
+      <p:grpSpPr>
+        <a:xfrm>
+          <a:off x="0" y="0"/>
+          <a:ext cx="0" cy="0"/>
+          <a:chOff x="0" y="0"/>
+          <a:chExt cx="0" cy="0"/>
+        </a:xfrm>
+      </p:grpSpPr>
+      <p:sp>
+        <p:nvSpPr>
+          <p:cNvPr id="5" name="CasellaDiTesto 4">
+            <a:extLst>
+              <a:ext uri="{FF2B5EF4-FFF2-40B4-BE49-F238E27FC236}">
+                <a16:creationId xmlns:a16="http://schemas.microsoft.com/office/drawing/2014/main" id="{AFA5EFF2-52A6-87FC-0F68-0D9834E71E64}"/>
+              </a:ext>
+            </a:extLst>
+          </p:cNvPr>
+          <p:cNvSpPr txBox="1"/>
+          <p:nvPr/>
+        </p:nvSpPr>
+        <p:spPr>
+          <a:xfrm>
+            <a:off x="4864100" y="338328"/>
+            <a:ext cx="6675627" cy="1605083"/>
+          </a:xfrm>
+          <a:prstGeom prst="rect">
+            <a:avLst/>
+          </a:prstGeom>
+        </p:spPr>
+        <p:txBody>
+          <a:bodyPr vert="horz" lIns="91440" tIns="45720" rIns="91440" bIns="45720" rtlCol="0" anchor="ctr">
+            <a:normAutofit/>
+          </a:bodyPr>
+          <a:lstStyle/>
+          <a:p>
+            <a:pPr>
+              <a:lnSpc>
+                <a:spcPct val="90000"/>
+              </a:lnSpc>
+              <a:spcAft>
+                <a:spcPts val="600"/>
+              </a:spcAft>
+            </a:pPr>
+            <a:r>
+              <a:rPr lang="en-US" sz="2800" dirty="0">
+                <a:solidFill>
+                  <a:srgbClr val="C00000"/>
+                </a:solidFill>
+              </a:rPr>
+              <a:t>🗓️ 2015 – </a:t>
+            </a:r>
+            <a:r>
+              <a:rPr lang="en-US" sz="2800" i="1" dirty="0">
+                <a:solidFill>
+                  <a:srgbClr val="C00000"/>
+                </a:solidFill>
+              </a:rPr>
+              <a:t>Brendan </a:t>
+            </a:r>
+            <a:r>
+              <a:rPr lang="en-US" sz="2800" i="1" dirty="0" err="1">
+                <a:solidFill>
+                  <a:srgbClr val="C00000"/>
+                </a:solidFill>
+              </a:rPr>
+              <a:t>Eich</a:t>
+            </a:r>
+            <a:r>
+              <a:rPr lang="en-US" sz="2800" dirty="0">
+                <a:solidFill>
+                  <a:srgbClr val="C00000"/>
+                </a:solidFill>
+              </a:rPr>
+              <a:t>.. </a:t>
+            </a:r>
+            <a:r>
+              <a:rPr lang="en-US" sz="2800" dirty="0" err="1">
+                <a:solidFill>
+                  <a:srgbClr val="C00000"/>
+                </a:solidFill>
+              </a:rPr>
+              <a:t>ancora</a:t>
+            </a:r>
+            <a:r>
+              <a:rPr lang="en-US" sz="2800" dirty="0">
+                <a:solidFill>
+                  <a:srgbClr val="C00000"/>
+                </a:solidFill>
+              </a:rPr>
+              <a:t>!</a:t>
+            </a:r>
+          </a:p>
+          <a:p>
+            <a:pPr>
+              <a:lnSpc>
+                <a:spcPct val="90000"/>
+              </a:lnSpc>
+              <a:spcAft>
+                <a:spcPts val="600"/>
+              </a:spcAft>
+            </a:pPr>
+            <a:r>
+              <a:rPr lang="en-US" sz="2800" dirty="0">
+                <a:solidFill>
+                  <a:srgbClr val="C00000"/>
+                </a:solidFill>
+              </a:rPr>
+              <a:t>	</a:t>
+            </a:r>
+            <a:r>
+              <a:rPr lang="en-US" sz="2800" dirty="0" err="1">
+                <a:solidFill>
+                  <a:srgbClr val="C00000"/>
+                </a:solidFill>
+              </a:rPr>
+              <a:t>Finalmente</a:t>
+            </a:r>
+            <a:r>
+              <a:rPr lang="en-US" sz="2800" dirty="0">
+                <a:solidFill>
+                  <a:srgbClr val="C00000"/>
+                </a:solidFill>
+              </a:rPr>
+              <a:t> </a:t>
+            </a:r>
+            <a:r>
+              <a:rPr lang="en-US" sz="2800" dirty="0" err="1">
+                <a:solidFill>
+                  <a:srgbClr val="C00000"/>
+                </a:solidFill>
+              </a:rPr>
+              <a:t>WebAssembly</a:t>
+            </a:r>
+            <a:endParaRPr lang="en-US" sz="2800" dirty="0">
+              <a:solidFill>
+                <a:srgbClr val="C00000"/>
+              </a:solidFill>
+            </a:endParaRPr>
+          </a:p>
+        </p:txBody>
+      </p:sp>
+      <p:sp>
+        <p:nvSpPr>
+          <p:cNvPr id="11" name="Rectangle 10">
+            <a:extLst>
+              <a:ext uri="{FF2B5EF4-FFF2-40B4-BE49-F238E27FC236}">
+                <a16:creationId xmlns:a16="http://schemas.microsoft.com/office/drawing/2014/main" id="{5AAE9118-0436-4488-AC4A-C14DF6A7B6B1}"/>
+              </a:ext>
+              <a:ext uri="{C183D7F6-B498-43B3-948B-1728B52AA6E4}">
+                <adec:decorative xmlns:adec="http://schemas.microsoft.com/office/drawing/2017/decorative" val="1"/>
+              </a:ext>
+            </a:extLst>
+          </p:cNvPr>
+          <p:cNvSpPr>
+            <a:spLocks noGrp="1" noRot="1" noChangeAspect="1" noMove="1" noResize="1" noEditPoints="1" noAdjustHandles="1" noChangeArrowheads="1" noChangeShapeType="1" noTextEdit="1"/>
+          </p:cNvSpPr>
+          <p:nvPr>
+            <p:extLst>
+              <p:ext uri="{386F3935-93C4-4BCD-93E2-E3B085C9AB24}">
+                <p16:designElem xmlns:p16="http://schemas.microsoft.com/office/powerpoint/2015/main" val="1"/>
+              </p:ext>
+            </p:extLst>
+          </p:nvPr>
+        </p:nvSpPr>
+        <p:spPr>
+          <a:xfrm>
+            <a:off x="-2" y="2211010"/>
+            <a:ext cx="12192002" cy="4646990"/>
+          </a:xfrm>
+          <a:prstGeom prst="rect">
+            <a:avLst/>
+          </a:prstGeom>
+          <a:solidFill>
+            <a:srgbClr val="C8CACA"/>
+          </a:solidFill>
+          <a:ln>
+            <a:noFill/>
+          </a:ln>
+        </p:spPr>
+        <p:style>
+          <a:lnRef idx="2">
+            <a:schemeClr val="accent1">
+              <a:shade val="50000"/>
+            </a:schemeClr>
+          </a:lnRef>
+          <a:fillRef idx="1">
+            <a:schemeClr val="accent1"/>
+          </a:fillRef>
+          <a:effectRef idx="0">
+            <a:schemeClr val="accent1"/>
+          </a:effectRef>
+          <a:fontRef idx="minor">
+            <a:schemeClr val="lt1"/>
+          </a:fontRef>
+        </p:style>
+        <p:txBody>
+          <a:bodyPr rtlCol="0" anchor="ctr"/>
+          <a:lstStyle/>
+          <a:p>
+            <a:pPr marL="0" marR="0" lvl="0" indent="0" algn="ctr" defTabSz="914400" rtl="0" eaLnBrk="1" fontAlgn="auto" latinLnBrk="0" hangingPunct="1">
+              <a:lnSpc>
+                <a:spcPct val="100000"/>
+              </a:lnSpc>
+              <a:spcBef>
+                <a:spcPts val="0"/>
+              </a:spcBef>
+              <a:spcAft>
+                <a:spcPts val="0"/>
+              </a:spcAft>
+              <a:buClrTx/>
+              <a:buSzTx/>
+              <a:buFontTx/>
+              <a:buNone/>
+              <a:tabLst/>
+              <a:defRPr/>
+            </a:pPr>
+            <a:endParaRPr kumimoji="0" lang="en-US" sz="1800" b="0" i="0" u="none" strike="noStrike" kern="1200" cap="none" spc="0" normalizeH="0" baseline="0" noProof="0">
+              <a:ln>
+                <a:noFill/>
+              </a:ln>
+              <a:solidFill>
+                <a:prstClr val="white"/>
+              </a:solidFill>
+              <a:effectLst/>
+              <a:uLnTx/>
+              <a:uFillTx/>
+              <a:latin typeface="Calibri" panose="020F0502020204030204"/>
+              <a:ea typeface="+mn-ea"/>
+              <a:cs typeface="+mn-cs"/>
+            </a:endParaRPr>
+          </a:p>
+        </p:txBody>
+      </p:sp>
+      <p:sp>
+        <p:nvSpPr>
+          <p:cNvPr id="13" name="Rounded Rectangle 26">
+            <a:extLst>
+              <a:ext uri="{FF2B5EF4-FFF2-40B4-BE49-F238E27FC236}">
+                <a16:creationId xmlns:a16="http://schemas.microsoft.com/office/drawing/2014/main" id="{1B10F861-B8F1-49C7-BD58-EAB20CEE7F93}"/>
+              </a:ext>
+              <a:ext uri="{C183D7F6-B498-43B3-948B-1728B52AA6E4}">
+                <adec:decorative xmlns:adec="http://schemas.microsoft.com/office/drawing/2017/decorative" val="1"/>
+              </a:ext>
+            </a:extLst>
+          </p:cNvPr>
+          <p:cNvSpPr>
+            <a:spLocks noGrp="1" noRot="1" noChangeAspect="1" noMove="1" noResize="1" noEditPoints="1" noAdjustHandles="1" noChangeArrowheads="1" noChangeShapeType="1" noTextEdit="1"/>
+          </p:cNvSpPr>
+          <p:nvPr>
+            <p:extLst>
+              <p:ext uri="{386F3935-93C4-4BCD-93E2-E3B085C9AB24}">
+                <p16:designElem xmlns:p16="http://schemas.microsoft.com/office/powerpoint/2015/main" val="1"/>
+              </p:ext>
+            </p:extLst>
+          </p:nvPr>
+        </p:nvSpPr>
+        <p:spPr>
+          <a:xfrm>
+            <a:off x="321564" y="2423160"/>
+            <a:ext cx="5613569" cy="3930315"/>
+          </a:xfrm>
+          <a:prstGeom prst="roundRect">
+            <a:avLst>
+              <a:gd name="adj" fmla="val 0"/>
+            </a:avLst>
+          </a:prstGeom>
+          <a:solidFill>
+            <a:srgbClr val="FFFFFF"/>
+          </a:solidFill>
+          <a:ln w="9525">
+            <a:solidFill>
+              <a:srgbClr val="C8CACA"/>
+            </a:solidFill>
+          </a:ln>
+          <a:effectLst>
+            <a:outerShdw blurRad="57150" dist="19050" dir="5400000" algn="t" rotWithShape="0">
+              <a:prstClr val="black">
+                <a:alpha val="63000"/>
+              </a:prstClr>
+            </a:outerShdw>
+          </a:effectLst>
+        </p:spPr>
+        <p:style>
+          <a:lnRef idx="2">
+            <a:schemeClr val="accent1">
+              <a:shade val="50000"/>
+            </a:schemeClr>
+          </a:lnRef>
+          <a:fillRef idx="1">
+            <a:schemeClr val="accent1"/>
+          </a:fillRef>
+          <a:effectRef idx="0">
+            <a:schemeClr val="accent1"/>
+          </a:effectRef>
+          <a:fontRef idx="minor">
+            <a:schemeClr val="lt1"/>
+          </a:fontRef>
+        </p:style>
+        <p:txBody>
+          <a:bodyPr rtlCol="0" anchor="ctr"/>
+          <a:lstStyle/>
+          <a:p>
+            <a:pPr algn="ctr"/>
+            <a:endParaRPr lang="en-US"/>
+          </a:p>
+        </p:txBody>
+      </p:sp>
+      <p:pic>
+        <p:nvPicPr>
+          <p:cNvPr id="6" name="Picture 2" descr="Free Vector | Hand drawn santa claus riding a sleigh delivering presents">
+            <a:extLst>
+              <a:ext uri="{FF2B5EF4-FFF2-40B4-BE49-F238E27FC236}">
+                <a16:creationId xmlns:a16="http://schemas.microsoft.com/office/drawing/2014/main" id="{E488AFBC-AEF7-D5AB-0D43-A35D288FA6E4}"/>
+              </a:ext>
+            </a:extLst>
+          </p:cNvPr>
+          <p:cNvPicPr>
+            <a:picLocks noChangeAspect="1" noChangeArrowheads="1"/>
+          </p:cNvPicPr>
+          <p:nvPr/>
+        </p:nvPicPr>
+        <p:blipFill>
+          <a:blip r:embed="rId2" cstate="print">
+            <a:extLst>
+              <a:ext uri="{28A0092B-C50C-407E-A947-70E740481C1C}">
+                <a14:useLocalDpi xmlns:a14="http://schemas.microsoft.com/office/drawing/2010/main" val="0"/>
+              </a:ext>
+            </a:extLst>
+          </a:blip>
+          <a:stretch>
+            <a:fillRect/>
+          </a:stretch>
+        </p:blipFill>
+        <p:spPr bwMode="auto">
+          <a:xfrm>
+            <a:off x="641180" y="2896016"/>
+            <a:ext cx="4974336" cy="2984601"/>
+          </a:xfrm>
+          <a:prstGeom prst="rect">
+            <a:avLst/>
+          </a:prstGeom>
+          <a:noFill/>
+          <a:extLst>
+            <a:ext uri="{909E8E84-426E-40DD-AFC4-6F175D3DCCD1}">
+              <a14:hiddenFill xmlns:a14="http://schemas.microsoft.com/office/drawing/2010/main">
+                <a:solidFill>
+                  <a:srgbClr val="FFFFFF"/>
+                </a:solidFill>
+              </a14:hiddenFill>
+            </a:ext>
+          </a:extLst>
+        </p:spPr>
+      </p:pic>
+      <p:sp>
+        <p:nvSpPr>
+          <p:cNvPr id="15" name="Rounded Rectangle 16">
+            <a:extLst>
+              <a:ext uri="{FF2B5EF4-FFF2-40B4-BE49-F238E27FC236}">
+                <a16:creationId xmlns:a16="http://schemas.microsoft.com/office/drawing/2014/main" id="{61F6E425-22AB-4DA2-8FAC-58ADB58EF6C3}"/>
+              </a:ext>
+              <a:ext uri="{C183D7F6-B498-43B3-948B-1728B52AA6E4}">
+                <adec:decorative xmlns:adec="http://schemas.microsoft.com/office/drawing/2017/decorative" val="1"/>
+              </a:ext>
+            </a:extLst>
+          </p:cNvPr>
+          <p:cNvSpPr>
+            <a:spLocks noGrp="1" noRot="1" noChangeAspect="1" noMove="1" noResize="1" noEditPoints="1" noAdjustHandles="1" noChangeArrowheads="1" noChangeShapeType="1" noTextEdit="1"/>
+          </p:cNvSpPr>
+          <p:nvPr>
+            <p:extLst>
+              <p:ext uri="{386F3935-93C4-4BCD-93E2-E3B085C9AB24}">
+                <p16:designElem xmlns:p16="http://schemas.microsoft.com/office/powerpoint/2015/main" val="1"/>
+              </p:ext>
+            </p:extLst>
+          </p:nvPr>
+        </p:nvSpPr>
+        <p:spPr>
+          <a:xfrm>
+            <a:off x="6254749" y="2423160"/>
+            <a:ext cx="5613569" cy="3930315"/>
+          </a:xfrm>
+          <a:prstGeom prst="roundRect">
+            <a:avLst>
+              <a:gd name="adj" fmla="val 0"/>
+            </a:avLst>
+          </a:prstGeom>
+          <a:solidFill>
+            <a:srgbClr val="FFFFFF"/>
+          </a:solidFill>
+          <a:ln w="9525">
+            <a:solidFill>
+              <a:srgbClr val="C8CACA"/>
+            </a:solidFill>
+          </a:ln>
+          <a:effectLst>
+            <a:outerShdw blurRad="57150" dist="19050" dir="5400000" algn="t" rotWithShape="0">
+              <a:prstClr val="black">
+                <a:alpha val="63000"/>
+              </a:prstClr>
+            </a:outerShdw>
+          </a:effectLst>
+        </p:spPr>
+        <p:style>
+          <a:lnRef idx="2">
+            <a:schemeClr val="accent1">
+              <a:shade val="50000"/>
+            </a:schemeClr>
+          </a:lnRef>
+          <a:fillRef idx="1">
+            <a:schemeClr val="accent1"/>
+          </a:fillRef>
+          <a:effectRef idx="0">
+            <a:schemeClr val="accent1"/>
+          </a:effectRef>
+          <a:fontRef idx="minor">
+            <a:schemeClr val="lt1"/>
+          </a:fontRef>
+        </p:style>
+        <p:txBody>
+          <a:bodyPr rtlCol="0" anchor="ctr"/>
+          <a:lstStyle/>
+          <a:p>
+            <a:pPr algn="ctr"/>
+            <a:endParaRPr lang="en-US"/>
+          </a:p>
+        </p:txBody>
+      </p:sp>
+      <p:pic>
+        <p:nvPicPr>
+          <p:cNvPr id="4" name="Picture 10" descr="What Is WebAssembly and Why Do You Need It? - The New Stack">
+            <a:extLst>
+              <a:ext uri="{FF2B5EF4-FFF2-40B4-BE49-F238E27FC236}">
+                <a16:creationId xmlns:a16="http://schemas.microsoft.com/office/drawing/2014/main" id="{048BBD43-971D-8969-22BA-46FC51AAB242}"/>
+              </a:ext>
+            </a:extLst>
+          </p:cNvPr>
+          <p:cNvPicPr>
+            <a:picLocks noChangeAspect="1" noChangeArrowheads="1"/>
+          </p:cNvPicPr>
+          <p:nvPr/>
+        </p:nvPicPr>
+        <p:blipFill>
+          <a:blip r:embed="rId3">
+            <a:extLst>
+              <a:ext uri="{28A0092B-C50C-407E-A947-70E740481C1C}">
+                <a14:useLocalDpi xmlns:a14="http://schemas.microsoft.com/office/drawing/2010/main" val="0"/>
+              </a:ext>
+            </a:extLst>
+          </a:blip>
+          <a:stretch>
+            <a:fillRect/>
+          </a:stretch>
+        </p:blipFill>
+        <p:spPr bwMode="auto">
+          <a:xfrm>
+            <a:off x="6576484" y="2995503"/>
+            <a:ext cx="4974336" cy="2785628"/>
+          </a:xfrm>
+          <a:prstGeom prst="rect">
+            <a:avLst/>
+          </a:prstGeom>
+          <a:noFill/>
+          <a:extLst>
+            <a:ext uri="{909E8E84-426E-40DD-AFC4-6F175D3DCCD1}">
+              <a14:hiddenFill xmlns:a14="http://schemas.microsoft.com/office/drawing/2010/main">
+                <a:solidFill>
+                  <a:srgbClr val="FFFFFF"/>
+                </a:solidFill>
+              </a14:hiddenFill>
+            </a:ext>
+          </a:extLst>
+        </p:spPr>
+      </p:pic>
+    </p:spTree>
+    <p:extLst>
+      <p:ext uri="{BB962C8B-B14F-4D97-AF65-F5344CB8AC3E}">
+        <p14:creationId xmlns:p14="http://schemas.microsoft.com/office/powerpoint/2010/main" val="330614633"/>
+      </p:ext>
+    </p:extLst>
+  </p:cSld>
+  <p:clrMapOvr>
+    <a:masterClrMapping/>
+  </p:clrMapOvr>
+</p:sld>
+</file>
+
+<file path=ppt/slides/slide11.xml><?xml version="1.0" encoding="utf-8"?>
+<p:sld xmlns:a="http://schemas.openxmlformats.org/drawingml/2006/main" xmlns:r="http://schemas.openxmlformats.org/officeDocument/2006/relationships" xmlns:p="http://schemas.openxmlformats.org/presentationml/2006/main">
+  <p:cSld>
+    <p:spTree>
+      <p:nvGrpSpPr>
+        <p:cNvPr id="1" name=""/>
+        <p:cNvGrpSpPr/>
+        <p:nvPr/>
+      </p:nvGrpSpPr>
+      <p:grpSpPr>
+        <a:xfrm>
+          <a:off x="0" y="0"/>
+          <a:ext cx="0" cy="0"/>
+          <a:chOff x="0" y="0"/>
+          <a:chExt cx="0" cy="0"/>
+        </a:xfrm>
+      </p:grpSpPr>
+      <p:sp>
+        <p:nvSpPr>
+          <p:cNvPr id="2" name="Titolo 1">
+            <a:extLst>
+              <a:ext uri="{FF2B5EF4-FFF2-40B4-BE49-F238E27FC236}">
+                <a16:creationId xmlns:a16="http://schemas.microsoft.com/office/drawing/2014/main" id="{16192DF2-85AE-0A49-93E4-29A99805EED7}"/>
+              </a:ext>
+            </a:extLst>
+          </p:cNvPr>
+          <p:cNvSpPr>
+            <a:spLocks noGrp="1"/>
+          </p:cNvSpPr>
+          <p:nvPr>
+            <p:ph type="title"/>
+          </p:nvPr>
+        </p:nvSpPr>
+        <p:spPr/>
+        <p:txBody>
+          <a:bodyPr/>
+          <a:lstStyle/>
+          <a:p>
+            <a:r>
+              <a:rPr lang="it-IT" dirty="0"/>
+              <a:t>Chi ha bisogno di </a:t>
+            </a:r>
+            <a:r>
+              <a:rPr lang="it-IT" dirty="0" err="1"/>
+              <a:t>wasm</a:t>
+            </a:r>
+            <a:r>
+              <a:rPr lang="it-IT" dirty="0"/>
+              <a:t>?</a:t>
+            </a:r>
+          </a:p>
+        </p:txBody>
+      </p:sp>
+      <p:pic>
+        <p:nvPicPr>
+          <p:cNvPr id="4" name="Picture 2" descr="Google Chrome, il logo poteva essere molto diverso: ecco tutte le icone  scartate">
+            <a:extLst>
+              <a:ext uri="{FF2B5EF4-FFF2-40B4-BE49-F238E27FC236}">
+                <a16:creationId xmlns:a16="http://schemas.microsoft.com/office/drawing/2014/main" id="{3195CF2D-8825-A1B1-86DE-CD8DFAD6949F}"/>
+              </a:ext>
+            </a:extLst>
+          </p:cNvPr>
+          <p:cNvPicPr>
+            <a:picLocks noChangeAspect="1" noChangeArrowheads="1"/>
+          </p:cNvPicPr>
+          <p:nvPr/>
+        </p:nvPicPr>
+        <p:blipFill>
+          <a:blip r:embed="rId2">
+            <a:extLst>
+              <a:ext uri="{28A0092B-C50C-407E-A947-70E740481C1C}">
+                <a14:useLocalDpi xmlns:a14="http://schemas.microsoft.com/office/drawing/2010/main" val="0"/>
+              </a:ext>
+            </a:extLst>
+          </a:blip>
+          <a:srcRect/>
+          <a:stretch>
+            <a:fillRect/>
+          </a:stretch>
+        </p:blipFill>
+        <p:spPr bwMode="auto">
+          <a:xfrm>
+            <a:off x="2393330" y="1550661"/>
+            <a:ext cx="2721158" cy="1523849"/>
+          </a:xfrm>
+          <a:prstGeom prst="rect">
+            <a:avLst/>
+          </a:prstGeom>
+          <a:noFill/>
+          <a:extLst>
+            <a:ext uri="{909E8E84-426E-40DD-AFC4-6F175D3DCCD1}">
+              <a14:hiddenFill xmlns:a14="http://schemas.microsoft.com/office/drawing/2010/main">
+                <a:solidFill>
+                  <a:srgbClr val="FFFFFF"/>
+                </a:solidFill>
+              </a14:hiddenFill>
+            </a:ext>
+          </a:extLst>
+        </p:spPr>
+      </p:pic>
+      <p:pic>
+        <p:nvPicPr>
+          <p:cNvPr id="5" name="Picture 4">
+            <a:extLst>
+              <a:ext uri="{FF2B5EF4-FFF2-40B4-BE49-F238E27FC236}">
+                <a16:creationId xmlns:a16="http://schemas.microsoft.com/office/drawing/2014/main" id="{129A2EBA-34B3-26E2-CF27-58C469325E98}"/>
+              </a:ext>
+            </a:extLst>
+          </p:cNvPr>
+          <p:cNvPicPr>
+            <a:picLocks noChangeAspect="1" noChangeArrowheads="1"/>
+          </p:cNvPicPr>
+          <p:nvPr/>
+        </p:nvPicPr>
+        <p:blipFill>
+          <a:blip r:embed="rId3" cstate="print">
+            <a:extLst>
+              <a:ext uri="{28A0092B-C50C-407E-A947-70E740481C1C}">
+                <a14:useLocalDpi xmlns:a14="http://schemas.microsoft.com/office/drawing/2010/main" val="0"/>
+              </a:ext>
+            </a:extLst>
+          </a:blip>
+          <a:srcRect/>
+          <a:stretch>
+            <a:fillRect/>
+          </a:stretch>
+        </p:blipFill>
+        <p:spPr bwMode="auto">
+          <a:xfrm>
+            <a:off x="4909781" y="1709158"/>
+            <a:ext cx="1127146" cy="1127146"/>
+          </a:xfrm>
+          <a:prstGeom prst="rect">
+            <a:avLst/>
+          </a:prstGeom>
+          <a:noFill/>
+          <a:extLst>
+            <a:ext uri="{909E8E84-426E-40DD-AFC4-6F175D3DCCD1}">
+              <a14:hiddenFill xmlns:a14="http://schemas.microsoft.com/office/drawing/2010/main">
+                <a:solidFill>
+                  <a:srgbClr val="FFFFFF"/>
+                </a:solidFill>
+              </a14:hiddenFill>
+            </a:ext>
+          </a:extLst>
+        </p:spPr>
+      </p:pic>
+      <p:pic>
+        <p:nvPicPr>
+          <p:cNvPr id="6" name="Picture 6">
+            <a:extLst>
+              <a:ext uri="{FF2B5EF4-FFF2-40B4-BE49-F238E27FC236}">
+                <a16:creationId xmlns:a16="http://schemas.microsoft.com/office/drawing/2014/main" id="{E3D1F1A6-9F8F-C2EB-3A39-E0BB5141D028}"/>
+              </a:ext>
+            </a:extLst>
+          </p:cNvPr>
+          <p:cNvPicPr>
+            <a:picLocks noChangeAspect="1" noChangeArrowheads="1"/>
+          </p:cNvPicPr>
+          <p:nvPr/>
+        </p:nvPicPr>
+        <p:blipFill>
+          <a:blip r:embed="rId4" cstate="print">
+            <a:extLst>
+              <a:ext uri="{28A0092B-C50C-407E-A947-70E740481C1C}">
+                <a14:useLocalDpi xmlns:a14="http://schemas.microsoft.com/office/drawing/2010/main" val="0"/>
+              </a:ext>
+            </a:extLst>
+          </a:blip>
+          <a:srcRect/>
+          <a:stretch>
+            <a:fillRect/>
+          </a:stretch>
+        </p:blipFill>
+        <p:spPr bwMode="auto">
+          <a:xfrm>
+            <a:off x="6572988" y="1749012"/>
+            <a:ext cx="1127146" cy="1127146"/>
+          </a:xfrm>
+          <a:prstGeom prst="rect">
+            <a:avLst/>
+          </a:prstGeom>
+          <a:noFill/>
+          <a:extLst>
+            <a:ext uri="{909E8E84-426E-40DD-AFC4-6F175D3DCCD1}">
+              <a14:hiddenFill xmlns:a14="http://schemas.microsoft.com/office/drawing/2010/main">
+                <a:solidFill>
+                  <a:srgbClr val="FFFFFF"/>
+                </a:solidFill>
+              </a14:hiddenFill>
+            </a:ext>
+          </a:extLst>
+        </p:spPr>
+      </p:pic>
+      <p:pic>
+        <p:nvPicPr>
+          <p:cNvPr id="7" name="Picture 10" descr="Desktop Computer Vector Icon for Your Web Site Design, Logo, App, UI.  Vector Illustration Stock Vector - Illustration of line, display: 151573142">
+            <a:extLst>
+              <a:ext uri="{FF2B5EF4-FFF2-40B4-BE49-F238E27FC236}">
+                <a16:creationId xmlns:a16="http://schemas.microsoft.com/office/drawing/2014/main" id="{655205C0-A94B-DD2C-E89A-FDE4A5FC7F65}"/>
+              </a:ext>
+            </a:extLst>
+          </p:cNvPr>
+          <p:cNvPicPr>
+            <a:picLocks noChangeAspect="1" noChangeArrowheads="1"/>
+          </p:cNvPicPr>
+          <p:nvPr/>
+        </p:nvPicPr>
+        <p:blipFill>
+          <a:blip r:embed="rId5">
+            <a:extLst>
+              <a:ext uri="{28A0092B-C50C-407E-A947-70E740481C1C}">
+                <a14:useLocalDpi xmlns:a14="http://schemas.microsoft.com/office/drawing/2010/main" val="0"/>
+              </a:ext>
+            </a:extLst>
+          </a:blip>
+          <a:srcRect/>
+          <a:stretch>
+            <a:fillRect/>
+          </a:stretch>
+        </p:blipFill>
+        <p:spPr bwMode="auto">
+          <a:xfrm>
+            <a:off x="2921597" y="3714347"/>
+            <a:ext cx="1706695" cy="1706695"/>
+          </a:xfrm>
+          <a:prstGeom prst="rect">
+            <a:avLst/>
+          </a:prstGeom>
+          <a:noFill/>
+          <a:extLst>
+            <a:ext uri="{909E8E84-426E-40DD-AFC4-6F175D3DCCD1}">
+              <a14:hiddenFill xmlns:a14="http://schemas.microsoft.com/office/drawing/2010/main">
+                <a:solidFill>
+                  <a:srgbClr val="FFFFFF"/>
+                </a:solidFill>
+              </a14:hiddenFill>
+            </a:ext>
+          </a:extLst>
+        </p:spPr>
+      </p:pic>
+      <p:pic>
+        <p:nvPicPr>
+          <p:cNvPr id="8" name="Picture 12" descr="Modello cell phone | PosterMyWall">
+            <a:extLst>
+              <a:ext uri="{FF2B5EF4-FFF2-40B4-BE49-F238E27FC236}">
+                <a16:creationId xmlns:a16="http://schemas.microsoft.com/office/drawing/2014/main" id="{1B167834-0F91-4C4F-3C55-627B1ECEAA37}"/>
+              </a:ext>
+            </a:extLst>
+          </p:cNvPr>
+          <p:cNvPicPr>
+            <a:picLocks noChangeAspect="1" noChangeArrowheads="1"/>
+          </p:cNvPicPr>
+          <p:nvPr/>
+        </p:nvPicPr>
+        <p:blipFill>
+          <a:blip r:embed="rId6">
+            <a:extLst>
+              <a:ext uri="{28A0092B-C50C-407E-A947-70E740481C1C}">
+                <a14:useLocalDpi xmlns:a14="http://schemas.microsoft.com/office/drawing/2010/main" val="0"/>
+              </a:ext>
+            </a:extLst>
+          </a:blip>
+          <a:srcRect/>
+          <a:stretch>
+            <a:fillRect/>
+          </a:stretch>
+        </p:blipFill>
+        <p:spPr bwMode="auto">
+          <a:xfrm>
+            <a:off x="5114488" y="3914969"/>
+            <a:ext cx="1392370" cy="1392370"/>
+          </a:xfrm>
+          <a:prstGeom prst="rect">
+            <a:avLst/>
+          </a:prstGeom>
+          <a:noFill/>
+          <a:extLst>
+            <a:ext uri="{909E8E84-426E-40DD-AFC4-6F175D3DCCD1}">
+              <a14:hiddenFill xmlns:a14="http://schemas.microsoft.com/office/drawing/2010/main">
+                <a:solidFill>
+                  <a:srgbClr val="FFFFFF"/>
+                </a:solidFill>
+              </a14:hiddenFill>
+            </a:ext>
+          </a:extLst>
+        </p:spPr>
+      </p:pic>
+      <p:pic>
+        <p:nvPicPr>
+          <p:cNvPr id="9" name="Picture 2" descr="Babbo Natale a Milano | YesMilano">
+            <a:extLst>
+              <a:ext uri="{FF2B5EF4-FFF2-40B4-BE49-F238E27FC236}">
+                <a16:creationId xmlns:a16="http://schemas.microsoft.com/office/drawing/2014/main" id="{76291CE4-ADB5-976E-B427-3EEA24C71611}"/>
+              </a:ext>
+            </a:extLst>
+          </p:cNvPr>
+          <p:cNvPicPr>
+            <a:picLocks noChangeAspect="1" noChangeArrowheads="1"/>
+          </p:cNvPicPr>
+          <p:nvPr/>
+        </p:nvPicPr>
+        <p:blipFill>
+          <a:blip r:embed="rId7">
+            <a:extLst>
+              <a:ext uri="{28A0092B-C50C-407E-A947-70E740481C1C}">
+                <a14:useLocalDpi xmlns:a14="http://schemas.microsoft.com/office/drawing/2010/main" val="0"/>
+              </a:ext>
+            </a:extLst>
+          </a:blip>
+          <a:srcRect/>
+          <a:stretch>
+            <a:fillRect/>
+          </a:stretch>
+        </p:blipFill>
+        <p:spPr bwMode="auto">
+          <a:xfrm>
+            <a:off x="8570249" y="4285756"/>
+            <a:ext cx="3238500" cy="1409700"/>
+          </a:xfrm>
+          <a:prstGeom prst="rect">
+            <a:avLst/>
+          </a:prstGeom>
+          <a:noFill/>
+          <a:extLst>
+            <a:ext uri="{909E8E84-426E-40DD-AFC4-6F175D3DCCD1}">
+              <a14:hiddenFill xmlns:a14="http://schemas.microsoft.com/office/drawing/2010/main">
+                <a:solidFill>
+                  <a:srgbClr val="FFFFFF"/>
+                </a:solidFill>
+              </a14:hiddenFill>
+            </a:ext>
+          </a:extLst>
+        </p:spPr>
+      </p:pic>
+    </p:spTree>
+    <p:extLst>
+      <p:ext uri="{BB962C8B-B14F-4D97-AF65-F5344CB8AC3E}">
+        <p14:creationId xmlns:p14="http://schemas.microsoft.com/office/powerpoint/2010/main" val="4047018234"/>
+      </p:ext>
+    </p:extLst>
+  </p:cSld>
+  <p:clrMapOvr>
+    <a:masterClrMapping/>
+  </p:clrMapOvr>
+  <p:timing>
+    <p:tnLst>
+      <p:par>
+        <p:cTn id="1" dur="indefinite" restart="never" nodeType="tmRoot">
+          <p:childTnLst>
+            <p:seq concurrent="1" nextAc="seek">
+              <p:cTn id="2" dur="indefinite" nodeType="mainSeq">
+                <p:childTnLst>
+                  <p:par>
+                    <p:cTn id="3" fill="hold">
+                      <p:stCondLst>
+                        <p:cond delay="indefinite"/>
+                      </p:stCondLst>
+                      <p:childTnLst>
+                        <p:par>
+                          <p:cTn id="4" fill="hold">
+                            <p:stCondLst>
+                              <p:cond delay="0"/>
+                            </p:stCondLst>
+                            <p:childTnLst>
+                              <p:par>
+                                <p:cTn id="5" presetID="1" presetClass="entr" presetSubtype="0" fill="hold" nodeType="clickEffect">
+                                  <p:stCondLst>
+                                    <p:cond delay="0"/>
+                                  </p:stCondLst>
+                                  <p:childTnLst>
+                                    <p:set>
+                                      <p:cBhvr>
+                                        <p:cTn id="6" dur="1" fill="hold">
+                                          <p:stCondLst>
+                                            <p:cond delay="0"/>
+                                          </p:stCondLst>
+                                        </p:cTn>
+                                        <p:tgtEl>
+                                          <p:spTgt spid="5"/>
+                                        </p:tgtEl>
+                                        <p:attrNameLst>
+                                          <p:attrName>style.visibility</p:attrName>
+                                        </p:attrNameLst>
+                                      </p:cBhvr>
+                                      <p:to>
+                                        <p:strVal val="visible"/>
+                                      </p:to>
+                                    </p:set>
+                                  </p:childTnLst>
+                                </p:cTn>
+                              </p:par>
+                              <p:par>
+                                <p:cTn id="7" presetID="1" presetClass="entr" presetSubtype="0" fill="hold" nodeType="withEffect">
+                                  <p:stCondLst>
+                                    <p:cond delay="0"/>
+                                  </p:stCondLst>
+                                  <p:childTnLst>
+                                    <p:set>
+                                      <p:cBhvr>
+                                        <p:cTn id="8" dur="1" fill="hold">
+                                          <p:stCondLst>
+                                            <p:cond delay="0"/>
+                                          </p:stCondLst>
+                                        </p:cTn>
+                                        <p:tgtEl>
+                                          <p:spTgt spid="4"/>
+                                        </p:tgtEl>
+                                        <p:attrNameLst>
+                                          <p:attrName>style.visibility</p:attrName>
+                                        </p:attrNameLst>
+                                      </p:cBhvr>
+                                      <p:to>
+                                        <p:strVal val="visible"/>
+                                      </p:to>
+                                    </p:set>
+                                  </p:childTnLst>
+                                </p:cTn>
+                              </p:par>
+                              <p:par>
+                                <p:cTn id="9" presetID="1" presetClass="entr" presetSubtype="0" fill="hold" nodeType="withEffect">
+                                  <p:stCondLst>
+                                    <p:cond delay="0"/>
+                                  </p:stCondLst>
+                                  <p:childTnLst>
+                                    <p:set>
+                                      <p:cBhvr>
+                                        <p:cTn id="10" dur="1" fill="hold">
+                                          <p:stCondLst>
+                                            <p:cond delay="0"/>
+                                          </p:stCondLst>
+                                        </p:cTn>
+                                        <p:tgtEl>
+                                          <p:spTgt spid="6"/>
+                                        </p:tgtEl>
+                                        <p:attrNameLst>
+                                          <p:attrName>style.visibility</p:attrName>
+                                        </p:attrNameLst>
+                                      </p:cBhvr>
+                                      <p:to>
+                                        <p:strVal val="visible"/>
+                                      </p:to>
+                                    </p:set>
+                                  </p:childTnLst>
+                                </p:cTn>
+                              </p:par>
+                            </p:childTnLst>
+                          </p:cTn>
+                        </p:par>
+                      </p:childTnLst>
+                    </p:cTn>
+                  </p:par>
+                  <p:par>
+                    <p:cTn id="11" fill="hold">
+                      <p:stCondLst>
+                        <p:cond delay="indefinite"/>
+                      </p:stCondLst>
+                      <p:childTnLst>
+                        <p:par>
+                          <p:cTn id="12" fill="hold">
+                            <p:stCondLst>
+                              <p:cond delay="0"/>
+                            </p:stCondLst>
+                            <p:childTnLst>
+                              <p:par>
+                                <p:cTn id="13" presetID="1" presetClass="entr" presetSubtype="0" fill="hold" nodeType="clickEffect">
+                                  <p:stCondLst>
+                                    <p:cond delay="0"/>
+                                  </p:stCondLst>
+                                  <p:childTnLst>
+                                    <p:set>
+                                      <p:cBhvr>
+                                        <p:cTn id="14" dur="1" fill="hold">
+                                          <p:stCondLst>
+                                            <p:cond delay="0"/>
+                                          </p:stCondLst>
+                                        </p:cTn>
+                                        <p:tgtEl>
+                                          <p:spTgt spid="7"/>
+                                        </p:tgtEl>
+                                        <p:attrNameLst>
+                                          <p:attrName>style.visibility</p:attrName>
+                                        </p:attrNameLst>
+                                      </p:cBhvr>
+                                      <p:to>
+                                        <p:strVal val="visible"/>
+                                      </p:to>
+                                    </p:set>
+                                  </p:childTnLst>
+                                </p:cTn>
+                              </p:par>
+                              <p:par>
+                                <p:cTn id="15" presetID="1" presetClass="entr" presetSubtype="0" fill="hold" nodeType="withEffect">
+                                  <p:stCondLst>
+                                    <p:cond delay="0"/>
+                                  </p:stCondLst>
+                                  <p:childTnLst>
+                                    <p:set>
+                                      <p:cBhvr>
+                                        <p:cTn id="16" dur="1" fill="hold">
+                                          <p:stCondLst>
+                                            <p:cond delay="0"/>
+                                          </p:stCondLst>
+                                        </p:cTn>
+                                        <p:tgtEl>
+                                          <p:spTgt spid="8"/>
+                                        </p:tgtEl>
+                                        <p:attrNameLst>
+                                          <p:attrName>style.visibility</p:attrName>
+                                        </p:attrNameLst>
+                                      </p:cBhvr>
+                                      <p:to>
+                                        <p:strVal val="visible"/>
+                                      </p:to>
+                                    </p:set>
+                                  </p:childTnLst>
+                                </p:cTn>
+                              </p:par>
+                            </p:childTnLst>
+                          </p:cTn>
+                        </p:par>
+                      </p:childTnLst>
+                    </p:cTn>
+                  </p:par>
+                  <p:par>
+                    <p:cTn id="17" fill="hold">
+                      <p:stCondLst>
+                        <p:cond delay="indefinite"/>
+                      </p:stCondLst>
+                      <p:childTnLst>
+                        <p:par>
+                          <p:cTn id="18" fill="hold">
+                            <p:stCondLst>
+                              <p:cond delay="0"/>
+                            </p:stCondLst>
+                            <p:childTnLst>
+                              <p:par>
+                                <p:cTn id="19" presetID="1" presetClass="entr" presetSubtype="0" fill="hold" nodeType="clickEffect">
+                                  <p:stCondLst>
+                                    <p:cond delay="0"/>
+                                  </p:stCondLst>
+                                  <p:childTnLst>
+                                    <p:set>
+                                      <p:cBhvr>
+                                        <p:cTn id="20" dur="1" fill="hold">
+                                          <p:stCondLst>
+                                            <p:cond delay="0"/>
+                                          </p:stCondLst>
+                                        </p:cTn>
+                                        <p:tgtEl>
+                                          <p:spTgt spid="9"/>
+                                        </p:tgtEl>
+                                        <p:attrNameLst>
+                                          <p:attrName>style.visibility</p:attrName>
+                                        </p:attrNameLst>
+                                      </p:cBhvr>
+                                      <p:to>
+                                        <p:strVal val="visible"/>
+                                      </p:to>
+                                    </p:set>
+                                  </p:childTnLst>
+                                </p:cTn>
+                              </p:par>
+                            </p:childTnLst>
+                          </p:cTn>
+                        </p:par>
+                      </p:childTnLst>
+                    </p:cTn>
+                  </p:par>
+                </p:childTnLst>
+              </p:cTn>
+              <p:prevCondLst>
+                <p:cond evt="onPrev" delay="0">
+                  <p:tgtEl>
+                    <p:sldTgt/>
+                  </p:tgtEl>
+                </p:cond>
+              </p:prevCondLst>
+              <p:nextCondLst>
+                <p:cond evt="onNext" delay="0">
+                  <p:tgtEl>
+                    <p:sldTgt/>
+                  </p:tgtEl>
+                </p:cond>
+              </p:nextCondLst>
+            </p:seq>
+          </p:childTnLst>
+        </p:cTn>
+      </p:par>
+    </p:tnLst>
+  </p:timing>
+</p:sld>
+</file>
+
+<file path=ppt/slides/slide12.xml><?xml version="1.0" encoding="utf-8"?>
+<p:sld xmlns:a="http://schemas.openxmlformats.org/drawingml/2006/main" xmlns:r="http://schemas.openxmlformats.org/officeDocument/2006/relationships" xmlns:p="http://schemas.openxmlformats.org/presentationml/2006/main">
+  <p:cSld>
     <p:spTree>
       <p:nvGrpSpPr>
         <p:cNvPr id="1" name=""/>
@@ -4468,7 +5567,7 @@
 </p:sld>
 </file>
 
-<file path=ppt/slides/slide11.xml><?xml version="1.0" encoding="utf-8"?>
+<file path=ppt/slides/slide13.xml><?xml version="1.0" encoding="utf-8"?>
 <p:sld xmlns:a="http://schemas.openxmlformats.org/drawingml/2006/main" xmlns:r="http://schemas.openxmlformats.org/officeDocument/2006/relationships" xmlns:p="http://schemas.openxmlformats.org/presentationml/2006/main">
   <p:cSld>
     <p:spTree>
@@ -4507,12 +5606,8 @@
           <a:lstStyle/>
           <a:p>
             <a:r>
-              <a:rPr lang="it-IT" dirty="0" err="1"/>
-              <a:t>Cos’e’</a:t>
-            </a:r>
-            <a:r>
               <a:rPr lang="it-IT" dirty="0"/>
-              <a:t> </a:t>
+              <a:t>Cos’È </a:t>
             </a:r>
             <a:r>
               <a:rPr lang="it-IT" dirty="0" err="1"/>
@@ -4718,7 +5813,7 @@
 </p:sld>
 </file>
 
-<file path=ppt/slides/slide12.xml><?xml version="1.0" encoding="utf-8"?>
+<file path=ppt/slides/slide14.xml><?xml version="1.0" encoding="utf-8"?>
 <p:sld xmlns:a="http://schemas.openxmlformats.org/drawingml/2006/main" xmlns:r="http://schemas.openxmlformats.org/officeDocument/2006/relationships" xmlns:p="http://schemas.openxmlformats.org/presentationml/2006/main">
   <p:cSld>
     <p:spTree>
@@ -4813,7 +5908,7 @@
 </p:sld>
 </file>
 
-<file path=ppt/slides/slide13.xml><?xml version="1.0" encoding="utf-8"?>
+<file path=ppt/slides/slide15.xml><?xml version="1.0" encoding="utf-8"?>
 <p:sld xmlns:a="http://schemas.openxmlformats.org/drawingml/2006/main" xmlns:r="http://schemas.openxmlformats.org/officeDocument/2006/relationships" xmlns:p="http://schemas.openxmlformats.org/presentationml/2006/main">
   <p:cSld>
     <p:spTree>
@@ -4853,7 +5948,7 @@
           <a:p>
             <a:r>
               <a:rPr lang="it-IT" dirty="0"/>
-              <a:t>Use case: ottimizzazione immagini</a:t>
+              <a:t>Use case: ottimizzazione immagini NEL BROWSER</a:t>
             </a:r>
           </a:p>
         </p:txBody>
@@ -4891,17 +5986,92 @@
     </p:spTree>
     <p:extLst>
       <p:ext uri="{BB962C8B-B14F-4D97-AF65-F5344CB8AC3E}">
-        <p14:creationId xmlns:p14="http://schemas.microsoft.com/office/powerpoint/2010/main" val="2590754101"/>
+        <p14:creationId xmlns:p14="http://schemas.microsoft.com/office/powerpoint/2010/main" val="738653554"/>
       </p:ext>
     </p:extLst>
   </p:cSld>
   <p:clrMapOvr>
     <a:masterClrMapping/>
   </p:clrMapOvr>
+  <p:timing>
+    <p:tnLst>
+      <p:par>
+        <p:cTn id="1" dur="indefinite" restart="never" nodeType="tmRoot">
+          <p:childTnLst>
+            <p:seq concurrent="1" nextAc="seek">
+              <p:cTn id="2" dur="indefinite" nodeType="mainSeq">
+                <p:childTnLst>
+                  <p:par>
+                    <p:cTn id="3" fill="hold">
+                      <p:stCondLst>
+                        <p:cond delay="indefinite"/>
+                      </p:stCondLst>
+                      <p:childTnLst>
+                        <p:par>
+                          <p:cTn id="4" fill="hold">
+                            <p:stCondLst>
+                              <p:cond delay="0"/>
+                            </p:stCondLst>
+                            <p:childTnLst>
+                              <p:par>
+                                <p:cTn id="5" presetID="1" presetClass="entr" presetSubtype="0" fill="hold" nodeType="clickEffect">
+                                  <p:stCondLst>
+                                    <p:cond delay="0"/>
+                                  </p:stCondLst>
+                                  <p:childTnLst>
+                                    <p:set>
+                                      <p:cBhvr>
+                                        <p:cTn id="6" dur="1" fill="hold">
+                                          <p:stCondLst>
+                                            <p:cond delay="0"/>
+                                          </p:stCondLst>
+                                        </p:cTn>
+                                        <p:tgtEl>
+                                          <p:spTgt spid="4"/>
+                                        </p:tgtEl>
+                                        <p:attrNameLst>
+                                          <p:attrName>style.visibility</p:attrName>
+                                        </p:attrNameLst>
+                                      </p:cBhvr>
+                                      <p:to>
+                                        <p:strVal val="visible"/>
+                                      </p:to>
+                                    </p:set>
+                                  </p:childTnLst>
+                                </p:cTn>
+                              </p:par>
+                            </p:childTnLst>
+                          </p:cTn>
+                        </p:par>
+                      </p:childTnLst>
+                    </p:cTn>
+                  </p:par>
+                </p:childTnLst>
+              </p:cTn>
+              <p:prevCondLst>
+                <p:cond evt="onPrev" delay="0">
+                  <p:tgtEl>
+                    <p:sldTgt/>
+                  </p:tgtEl>
+                </p:cond>
+              </p:prevCondLst>
+              <p:nextCondLst>
+                <p:cond evt="onNext" delay="0">
+                  <p:tgtEl>
+                    <p:sldTgt/>
+                  </p:tgtEl>
+                </p:cond>
+              </p:nextCondLst>
+            </p:seq>
+          </p:childTnLst>
+        </p:cTn>
+      </p:par>
+    </p:tnLst>
+  </p:timing>
 </p:sld>
 </file>
 
-<file path=ppt/slides/slide14.xml><?xml version="1.0" encoding="utf-8"?>
+<file path=ppt/slides/slide16.xml><?xml version="1.0" encoding="utf-8"?>
 <p:sld xmlns:a="http://schemas.openxmlformats.org/drawingml/2006/main" xmlns:r="http://schemas.openxmlformats.org/officeDocument/2006/relationships" xmlns:p="http://schemas.openxmlformats.org/presentationml/2006/main">
   <p:cSld>
     <p:bg>
@@ -5079,7 +6249,7 @@
 </p:sld>
 </file>
 
-<file path=ppt/slides/slide15.xml><?xml version="1.0" encoding="utf-8"?>
+<file path=ppt/slides/slide17.xml><?xml version="1.0" encoding="utf-8"?>
 <p:sld xmlns:a="http://schemas.openxmlformats.org/drawingml/2006/main" xmlns:r="http://schemas.openxmlformats.org/officeDocument/2006/relationships" xmlns:p="http://schemas.openxmlformats.org/presentationml/2006/main">
   <p:cSld>
     <p:spTree>
@@ -5750,7 +6920,7 @@
 </p:sld>
 </file>
 
-<file path=ppt/slides/slide16.xml><?xml version="1.0" encoding="utf-8"?>
+<file path=ppt/slides/slide18.xml><?xml version="1.0" encoding="utf-8"?>
 <p:sld xmlns:a="http://schemas.openxmlformats.org/drawingml/2006/main" xmlns:r="http://schemas.openxmlformats.org/officeDocument/2006/relationships" xmlns:p="http://schemas.openxmlformats.org/presentationml/2006/main">
   <p:cSld>
     <p:spTree>
@@ -6253,7 +7423,7 @@
 </p:sld>
 </file>
 
-<file path=ppt/slides/slide17.xml><?xml version="1.0" encoding="utf-8"?>
+<file path=ppt/slides/slide19.xml><?xml version="1.0" encoding="utf-8"?>
 <p:sld xmlns:a="http://schemas.openxmlformats.org/drawingml/2006/main" xmlns:r="http://schemas.openxmlformats.org/officeDocument/2006/relationships" xmlns:p="http://schemas.openxmlformats.org/presentationml/2006/main">
   <p:cSld>
     <p:spTree>
@@ -6311,7 +7481,7 @@
 </p:sld>
 </file>
 
-<file path=ppt/slides/slide18.xml><?xml version="1.0" encoding="utf-8"?>
+<file path=ppt/slides/slide2.xml><?xml version="1.0" encoding="utf-8"?>
 <p:sld xmlns:a="http://schemas.openxmlformats.org/drawingml/2006/main" xmlns:r="http://schemas.openxmlformats.org/officeDocument/2006/relationships" xmlns:p="http://schemas.openxmlformats.org/presentationml/2006/main">
   <p:cSld>
     <p:spTree>
@@ -6333,7 +7503,7 @@
           <p:cNvPr id="2" name="Titolo 1">
             <a:extLst>
               <a:ext uri="{FF2B5EF4-FFF2-40B4-BE49-F238E27FC236}">
-                <a16:creationId xmlns:a16="http://schemas.microsoft.com/office/drawing/2014/main" id="{16192DF2-85AE-0A49-93E4-29A99805EED7}"/>
+                <a16:creationId xmlns:a16="http://schemas.microsoft.com/office/drawing/2014/main" id="{BC3CE789-B9C8-46C6-B31B-E6AD9330C276}"/>
               </a:ext>
             </a:extLst>
           </p:cNvPr>
@@ -6350,6 +7520,92 @@
           <a:lstStyle/>
           <a:p>
             <a:r>
+              <a:rPr lang="it-IT" dirty="0"/>
+              <a:t>Babbo Natale e le letterine scritte in linguaggi diversi</a:t>
+            </a:r>
+          </a:p>
+        </p:txBody>
+      </p:sp>
+      <p:sp>
+        <p:nvSpPr>
+          <p:cNvPr id="3" name="Segnaposto contenuto 2">
+            <a:extLst>
+              <a:ext uri="{FF2B5EF4-FFF2-40B4-BE49-F238E27FC236}">
+                <a16:creationId xmlns:a16="http://schemas.microsoft.com/office/drawing/2014/main" id="{D0B4AFB7-0047-468D-BE92-BDFE0A623E1F}"/>
+              </a:ext>
+            </a:extLst>
+          </p:cNvPr>
+          <p:cNvSpPr>
+            <a:spLocks noGrp="1"/>
+          </p:cNvSpPr>
+          <p:nvPr>
+            <p:ph idx="1"/>
+          </p:nvPr>
+        </p:nvSpPr>
+        <p:spPr/>
+        <p:txBody>
+          <a:bodyPr/>
+          <a:lstStyle/>
+          <a:p>
+            <a:r>
+              <a:rPr lang="it-IT" dirty="0"/>
+              <a:t>Come ha risolto il problema Babbo Natale?</a:t>
+            </a:r>
+          </a:p>
+        </p:txBody>
+      </p:sp>
+    </p:spTree>
+    <p:extLst>
+      <p:ext uri="{BB962C8B-B14F-4D97-AF65-F5344CB8AC3E}">
+        <p14:creationId xmlns:p14="http://schemas.microsoft.com/office/powerpoint/2010/main" val="2985604571"/>
+      </p:ext>
+    </p:extLst>
+  </p:cSld>
+  <p:clrMapOvr>
+    <a:masterClrMapping/>
+  </p:clrMapOvr>
+</p:sld>
+</file>
+
+<file path=ppt/slides/slide20.xml><?xml version="1.0" encoding="utf-8"?>
+<p:sld xmlns:a="http://schemas.openxmlformats.org/drawingml/2006/main" xmlns:r="http://schemas.openxmlformats.org/officeDocument/2006/relationships" xmlns:p="http://schemas.openxmlformats.org/presentationml/2006/main">
+  <p:cSld>
+    <p:spTree>
+      <p:nvGrpSpPr>
+        <p:cNvPr id="1" name=""/>
+        <p:cNvGrpSpPr/>
+        <p:nvPr/>
+      </p:nvGrpSpPr>
+      <p:grpSpPr>
+        <a:xfrm>
+          <a:off x="0" y="0"/>
+          <a:ext cx="0" cy="0"/>
+          <a:chOff x="0" y="0"/>
+          <a:chExt cx="0" cy="0"/>
+        </a:xfrm>
+      </p:grpSpPr>
+      <p:sp>
+        <p:nvSpPr>
+          <p:cNvPr id="2" name="Titolo 1">
+            <a:extLst>
+              <a:ext uri="{FF2B5EF4-FFF2-40B4-BE49-F238E27FC236}">
+                <a16:creationId xmlns:a16="http://schemas.microsoft.com/office/drawing/2014/main" id="{16192DF2-85AE-0A49-93E4-29A99805EED7}"/>
+              </a:ext>
+            </a:extLst>
+          </p:cNvPr>
+          <p:cNvSpPr>
+            <a:spLocks noGrp="1"/>
+          </p:cNvSpPr>
+          <p:nvPr>
+            <p:ph type="title"/>
+          </p:nvPr>
+        </p:nvSpPr>
+        <p:spPr/>
+        <p:txBody>
+          <a:bodyPr/>
+          <a:lstStyle/>
+          <a:p>
+            <a:r>
               <a:rPr lang="it-IT" dirty="0" err="1"/>
               <a:t>Webassembly</a:t>
             </a:r>
@@ -6359,7 +7615,7 @@
             </a:r>
             <a:r>
               <a:rPr lang="it-IT" dirty="0" err="1"/>
-              <a:t>sostituira’</a:t>
+              <a:t>sostituirÀ</a:t>
             </a:r>
             <a:r>
               <a:rPr lang="it-IT" dirty="0"/>
@@ -6569,7 +7825,7 @@
 </p:sld>
 </file>
 
-<file path=ppt/slides/slide19.xml><?xml version="1.0" encoding="utf-8"?>
+<file path=ppt/slides/slide21.xml><?xml version="1.0" encoding="utf-8"?>
 <p:sld xmlns:a="http://schemas.openxmlformats.org/drawingml/2006/main" xmlns:r="http://schemas.openxmlformats.org/officeDocument/2006/relationships" xmlns:p="http://schemas.openxmlformats.org/presentationml/2006/main">
   <p:cSld>
     <p:spTree>
@@ -6812,413 +8068,6 @@
 </p:sld>
 </file>
 
-<file path=ppt/slides/slide2.xml><?xml version="1.0" encoding="utf-8"?>
-<p:sld xmlns:a="http://schemas.openxmlformats.org/drawingml/2006/main" xmlns:r="http://schemas.openxmlformats.org/officeDocument/2006/relationships" xmlns:p="http://schemas.openxmlformats.org/presentationml/2006/main">
-  <p:cSld>
-    <p:spTree>
-      <p:nvGrpSpPr>
-        <p:cNvPr id="1" name=""/>
-        <p:cNvGrpSpPr/>
-        <p:nvPr/>
-      </p:nvGrpSpPr>
-      <p:grpSpPr>
-        <a:xfrm>
-          <a:off x="0" y="0"/>
-          <a:ext cx="0" cy="0"/>
-          <a:chOff x="0" y="0"/>
-          <a:chExt cx="0" cy="0"/>
-        </a:xfrm>
-      </p:grpSpPr>
-      <p:sp>
-        <p:nvSpPr>
-          <p:cNvPr id="2" name="Titolo 1">
-            <a:extLst>
-              <a:ext uri="{FF2B5EF4-FFF2-40B4-BE49-F238E27FC236}">
-                <a16:creationId xmlns:a16="http://schemas.microsoft.com/office/drawing/2014/main" id="{BC3CE789-B9C8-46C6-B31B-E6AD9330C276}"/>
-              </a:ext>
-            </a:extLst>
-          </p:cNvPr>
-          <p:cNvSpPr>
-            <a:spLocks noGrp="1"/>
-          </p:cNvSpPr>
-          <p:nvPr>
-            <p:ph type="title"/>
-          </p:nvPr>
-        </p:nvSpPr>
-        <p:spPr/>
-        <p:txBody>
-          <a:bodyPr/>
-          <a:lstStyle/>
-          <a:p>
-            <a:r>
-              <a:rPr lang="it-IT" dirty="0"/>
-              <a:t>Babbo Natale e le letterine scritte in linguaggi diversi</a:t>
-            </a:r>
-          </a:p>
-        </p:txBody>
-      </p:sp>
-      <p:sp>
-        <p:nvSpPr>
-          <p:cNvPr id="3" name="Segnaposto contenuto 2">
-            <a:extLst>
-              <a:ext uri="{FF2B5EF4-FFF2-40B4-BE49-F238E27FC236}">
-                <a16:creationId xmlns:a16="http://schemas.microsoft.com/office/drawing/2014/main" id="{D0B4AFB7-0047-468D-BE92-BDFE0A623E1F}"/>
-              </a:ext>
-            </a:extLst>
-          </p:cNvPr>
-          <p:cNvSpPr>
-            <a:spLocks noGrp="1"/>
-          </p:cNvSpPr>
-          <p:nvPr>
-            <p:ph idx="1"/>
-          </p:nvPr>
-        </p:nvSpPr>
-        <p:spPr/>
-        <p:txBody>
-          <a:bodyPr/>
-          <a:lstStyle/>
-          <a:p>
-            <a:r>
-              <a:rPr lang="it-IT" dirty="0"/>
-              <a:t>Come ha risolto il problema Babbo Natale?</a:t>
-            </a:r>
-          </a:p>
-        </p:txBody>
-      </p:sp>
-    </p:spTree>
-    <p:extLst>
-      <p:ext uri="{BB962C8B-B14F-4D97-AF65-F5344CB8AC3E}">
-        <p14:creationId xmlns:p14="http://schemas.microsoft.com/office/powerpoint/2010/main" val="2985604571"/>
-      </p:ext>
-    </p:extLst>
-  </p:cSld>
-  <p:clrMapOvr>
-    <a:masterClrMapping/>
-  </p:clrMapOvr>
-</p:sld>
-</file>
-
-<file path=ppt/slides/slide20.xml><?xml version="1.0" encoding="utf-8"?>
-<p:sld xmlns:a="http://schemas.openxmlformats.org/drawingml/2006/main" xmlns:r="http://schemas.openxmlformats.org/officeDocument/2006/relationships" xmlns:p="http://schemas.openxmlformats.org/presentationml/2006/main">
-  <p:cSld>
-    <p:spTree>
-      <p:nvGrpSpPr>
-        <p:cNvPr id="1" name=""/>
-        <p:cNvGrpSpPr/>
-        <p:nvPr/>
-      </p:nvGrpSpPr>
-      <p:grpSpPr>
-        <a:xfrm>
-          <a:off x="0" y="0"/>
-          <a:ext cx="0" cy="0"/>
-          <a:chOff x="0" y="0"/>
-          <a:chExt cx="0" cy="0"/>
-        </a:xfrm>
-      </p:grpSpPr>
-      <p:sp>
-        <p:nvSpPr>
-          <p:cNvPr id="2" name="Titolo 1">
-            <a:extLst>
-              <a:ext uri="{FF2B5EF4-FFF2-40B4-BE49-F238E27FC236}">
-                <a16:creationId xmlns:a16="http://schemas.microsoft.com/office/drawing/2014/main" id="{20DA8F03-CABA-49A2-A0D0-7DDF3505AE67}"/>
-              </a:ext>
-            </a:extLst>
-          </p:cNvPr>
-          <p:cNvSpPr>
-            <a:spLocks noGrp="1"/>
-          </p:cNvSpPr>
-          <p:nvPr>
-            <p:ph type="title"/>
-          </p:nvPr>
-        </p:nvSpPr>
-        <p:spPr/>
-        <p:txBody>
-          <a:bodyPr/>
-          <a:lstStyle/>
-          <a:p>
-            <a:r>
-              <a:rPr lang="it-IT" dirty="0"/>
-              <a:t>SECONDO regalo di babbo natale</a:t>
-            </a:r>
-          </a:p>
-        </p:txBody>
-      </p:sp>
-    </p:spTree>
-    <p:extLst>
-      <p:ext uri="{BB962C8B-B14F-4D97-AF65-F5344CB8AC3E}">
-        <p14:creationId xmlns:p14="http://schemas.microsoft.com/office/powerpoint/2010/main" val="3002314397"/>
-      </p:ext>
-    </p:extLst>
-  </p:cSld>
-  <p:clrMapOvr>
-    <a:masterClrMapping/>
-  </p:clrMapOvr>
-</p:sld>
-</file>
-
-<file path=ppt/slides/slide21.xml><?xml version="1.0" encoding="utf-8"?>
-<p:sld xmlns:a="http://schemas.openxmlformats.org/drawingml/2006/main" xmlns:r="http://schemas.openxmlformats.org/officeDocument/2006/relationships" xmlns:p="http://schemas.openxmlformats.org/presentationml/2006/main">
-  <p:cSld>
-    <p:spTree>
-      <p:nvGrpSpPr>
-        <p:cNvPr id="1" name=""/>
-        <p:cNvGrpSpPr/>
-        <p:nvPr/>
-      </p:nvGrpSpPr>
-      <p:grpSpPr>
-        <a:xfrm>
-          <a:off x="0" y="0"/>
-          <a:ext cx="0" cy="0"/>
-          <a:chOff x="0" y="0"/>
-          <a:chExt cx="0" cy="0"/>
-        </a:xfrm>
-      </p:grpSpPr>
-      <p:sp>
-        <p:nvSpPr>
-          <p:cNvPr id="4" name="CasellaDiTesto 3">
-            <a:extLst>
-              <a:ext uri="{FF2B5EF4-FFF2-40B4-BE49-F238E27FC236}">
-                <a16:creationId xmlns:a16="http://schemas.microsoft.com/office/drawing/2014/main" id="{6517996D-1168-EE96-4175-2BACC161E90E}"/>
-              </a:ext>
-            </a:extLst>
-          </p:cNvPr>
-          <p:cNvSpPr txBox="1"/>
-          <p:nvPr/>
-        </p:nvSpPr>
-        <p:spPr>
-          <a:xfrm>
-            <a:off x="4718649" y="1080306"/>
-            <a:ext cx="4572000" cy="4969630"/>
-          </a:xfrm>
-          <a:prstGeom prst="rect">
-            <a:avLst/>
-          </a:prstGeom>
-          <a:noFill/>
-        </p:spPr>
-        <p:txBody>
-          <a:bodyPr wrap="square">
-            <a:spAutoFit/>
-          </a:bodyPr>
-          <a:lstStyle/>
-          <a:p>
-            <a:pPr marL="0" marR="0" algn="ctr">
-              <a:lnSpc>
-                <a:spcPct val="107000"/>
-              </a:lnSpc>
-              <a:spcBef>
-                <a:spcPts val="0"/>
-              </a:spcBef>
-              <a:spcAft>
-                <a:spcPts val="800"/>
-              </a:spcAft>
-            </a:pPr>
-            <a:r>
-              <a:rPr lang="it-IT" sz="9600" b="1" dirty="0" err="1">
-                <a:ln w="9525" cap="flat" cmpd="sng" algn="ctr">
-                  <a:solidFill>
-                    <a:srgbClr val="FFFFFF"/>
-                  </a:solidFill>
-                  <a:prstDash val="solid"/>
-                  <a:round/>
-                </a:ln>
-                <a:solidFill>
-                  <a:srgbClr val="C00000"/>
-                </a:solidFill>
-                <a:effectLst>
-                  <a:outerShdw blurRad="12700" dist="38100" dir="2700000" algn="tl">
-                    <a:schemeClr val="accent5">
-                      <a:lumMod val="60000"/>
-                      <a:lumOff val="40000"/>
-                    </a:schemeClr>
-                  </a:outerShdw>
-                </a:effectLst>
-                <a:latin typeface="Calibri" panose="020F0502020204030204" pitchFamily="34" charset="0"/>
-                <a:ea typeface="Calibri" panose="020F0502020204030204" pitchFamily="34" charset="0"/>
-                <a:cs typeface="Times New Roman" panose="02020603050405020304" pitchFamily="18" charset="0"/>
-              </a:rPr>
-              <a:t>Wasm</a:t>
-            </a:r>
-            <a:r>
-              <a:rPr lang="it-IT" sz="9600" b="1" dirty="0">
-                <a:ln w="9525" cap="flat" cmpd="sng" algn="ctr">
-                  <a:solidFill>
-                    <a:srgbClr val="FFFFFF"/>
-                  </a:solidFill>
-                  <a:prstDash val="solid"/>
-                  <a:round/>
-                </a:ln>
-                <a:solidFill>
-                  <a:srgbClr val="C00000"/>
-                </a:solidFill>
-                <a:effectLst>
-                  <a:outerShdw blurRad="12700" dist="38100" dir="2700000" algn="tl">
-                    <a:schemeClr val="accent5">
-                      <a:lumMod val="60000"/>
-                      <a:lumOff val="40000"/>
-                    </a:schemeClr>
-                  </a:outerShdw>
-                </a:effectLst>
-                <a:latin typeface="Calibri" panose="020F0502020204030204" pitchFamily="34" charset="0"/>
-                <a:ea typeface="Calibri" panose="020F0502020204030204" pitchFamily="34" charset="0"/>
-                <a:cs typeface="Times New Roman" panose="02020603050405020304" pitchFamily="18" charset="0"/>
-              </a:rPr>
-              <a:t> </a:t>
-            </a:r>
-          </a:p>
-          <a:p>
-            <a:pPr marL="0" marR="0" algn="ctr">
-              <a:lnSpc>
-                <a:spcPct val="107000"/>
-              </a:lnSpc>
-              <a:spcBef>
-                <a:spcPts val="0"/>
-              </a:spcBef>
-              <a:spcAft>
-                <a:spcPts val="800"/>
-              </a:spcAft>
-            </a:pPr>
-            <a:r>
-              <a:rPr lang="it-IT" sz="9600" b="1" dirty="0" err="1">
-                <a:ln w="9525" cap="flat" cmpd="sng" algn="ctr">
-                  <a:solidFill>
-                    <a:srgbClr val="FFFFFF"/>
-                  </a:solidFill>
-                  <a:prstDash val="solid"/>
-                  <a:round/>
-                </a:ln>
-                <a:solidFill>
-                  <a:srgbClr val="C00000"/>
-                </a:solidFill>
-                <a:effectLst>
-                  <a:outerShdw blurRad="12700" dist="38100" dir="2700000" algn="tl">
-                    <a:schemeClr val="accent5">
-                      <a:lumMod val="60000"/>
-                      <a:lumOff val="40000"/>
-                    </a:schemeClr>
-                  </a:outerShdw>
-                </a:effectLst>
-                <a:latin typeface="Calibri" panose="020F0502020204030204" pitchFamily="34" charset="0"/>
-                <a:ea typeface="Calibri" panose="020F0502020204030204" pitchFamily="34" charset="0"/>
-                <a:cs typeface="Times New Roman" panose="02020603050405020304" pitchFamily="18" charset="0"/>
-              </a:rPr>
-              <a:t>is</a:t>
-            </a:r>
-            <a:r>
-              <a:rPr lang="it-IT" sz="9600" b="1" dirty="0">
-                <a:ln w="9525" cap="flat" cmpd="sng" algn="ctr">
-                  <a:solidFill>
-                    <a:srgbClr val="FFFFFF"/>
-                  </a:solidFill>
-                  <a:prstDash val="solid"/>
-                  <a:round/>
-                </a:ln>
-                <a:solidFill>
-                  <a:srgbClr val="C00000"/>
-                </a:solidFill>
-                <a:effectLst>
-                  <a:outerShdw blurRad="12700" dist="38100" dir="2700000" algn="tl">
-                    <a:schemeClr val="accent5">
-                      <a:lumMod val="60000"/>
-                      <a:lumOff val="40000"/>
-                    </a:schemeClr>
-                  </a:outerShdw>
-                </a:effectLst>
-                <a:latin typeface="Calibri" panose="020F0502020204030204" pitchFamily="34" charset="0"/>
-                <a:ea typeface="Calibri" panose="020F0502020204030204" pitchFamily="34" charset="0"/>
-                <a:cs typeface="Times New Roman" panose="02020603050405020304" pitchFamily="18" charset="0"/>
-              </a:rPr>
-              <a:t> </a:t>
-            </a:r>
-          </a:p>
-          <a:p>
-            <a:pPr marL="0" marR="0" algn="ctr">
-              <a:lnSpc>
-                <a:spcPct val="107000"/>
-              </a:lnSpc>
-              <a:spcBef>
-                <a:spcPts val="0"/>
-              </a:spcBef>
-              <a:spcAft>
-                <a:spcPts val="800"/>
-              </a:spcAft>
-            </a:pPr>
-            <a:r>
-              <a:rPr lang="it-IT" sz="9600" b="1" dirty="0" err="1">
-                <a:ln w="9525" cap="flat" cmpd="sng" algn="ctr">
-                  <a:solidFill>
-                    <a:srgbClr val="FFFFFF"/>
-                  </a:solidFill>
-                  <a:prstDash val="solid"/>
-                  <a:round/>
-                </a:ln>
-                <a:solidFill>
-                  <a:srgbClr val="C00000"/>
-                </a:solidFill>
-                <a:effectLst>
-                  <a:outerShdw blurRad="12700" dist="38100" dir="2700000" algn="tl">
-                    <a:schemeClr val="accent5">
-                      <a:lumMod val="60000"/>
-                      <a:lumOff val="40000"/>
-                    </a:schemeClr>
-                  </a:outerShdw>
-                </a:effectLst>
-                <a:latin typeface="Calibri" panose="020F0502020204030204" pitchFamily="34" charset="0"/>
-                <a:ea typeface="Calibri" panose="020F0502020204030204" pitchFamily="34" charset="0"/>
-                <a:cs typeface="Times New Roman" panose="02020603050405020304" pitchFamily="18" charset="0"/>
-              </a:rPr>
-              <a:t>Awsm</a:t>
-            </a:r>
-            <a:r>
-              <a:rPr lang="it-IT" sz="9600" b="1" dirty="0">
-                <a:ln w="9525" cap="flat" cmpd="sng" algn="ctr">
-                  <a:solidFill>
-                    <a:srgbClr val="FFFFFF"/>
-                  </a:solidFill>
-                  <a:prstDash val="solid"/>
-                  <a:round/>
-                </a:ln>
-                <a:solidFill>
-                  <a:srgbClr val="C00000"/>
-                </a:solidFill>
-                <a:effectLst>
-                  <a:outerShdw blurRad="12700" dist="38100" dir="2700000" algn="tl">
-                    <a:schemeClr val="accent5">
-                      <a:lumMod val="60000"/>
-                      <a:lumOff val="40000"/>
-                    </a:schemeClr>
-                  </a:outerShdw>
-                </a:effectLst>
-                <a:latin typeface="Calibri" panose="020F0502020204030204" pitchFamily="34" charset="0"/>
-                <a:ea typeface="Calibri" panose="020F0502020204030204" pitchFamily="34" charset="0"/>
-                <a:cs typeface="Times New Roman" panose="02020603050405020304" pitchFamily="18" charset="0"/>
-              </a:rPr>
-              <a:t>!</a:t>
-            </a:r>
-            <a:endParaRPr lang="it-IT" sz="9600" dirty="0">
-              <a:solidFill>
-                <a:srgbClr val="C00000"/>
-              </a:solidFill>
-              <a:effectLst/>
-              <a:latin typeface="Calibri" panose="020F0502020204030204" pitchFamily="34" charset="0"/>
-              <a:ea typeface="Calibri" panose="020F0502020204030204" pitchFamily="34" charset="0"/>
-              <a:cs typeface="Times New Roman" panose="02020603050405020304" pitchFamily="18" charset="0"/>
-            </a:endParaRPr>
-          </a:p>
-        </p:txBody>
-      </p:sp>
-    </p:spTree>
-    <p:extLst>
-      <p:ext uri="{BB962C8B-B14F-4D97-AF65-F5344CB8AC3E}">
-        <p14:creationId xmlns:p14="http://schemas.microsoft.com/office/powerpoint/2010/main" val="3987305058"/>
-      </p:ext>
-    </p:extLst>
-  </p:cSld>
-  <p:clrMapOvr>
-    <a:masterClrMapping/>
-  </p:clrMapOvr>
-</p:sld>
-</file>
-
 <file path=ppt/slides/slide22.xml><?xml version="1.0" encoding="utf-8"?>
 <p:sld xmlns:a="http://schemas.openxmlformats.org/drawingml/2006/main" xmlns:r="http://schemas.openxmlformats.org/officeDocument/2006/relationships" xmlns:p="http://schemas.openxmlformats.org/presentationml/2006/main">
   <p:cSld>
@@ -7257,14 +8106,17 @@
           <a:bodyPr/>
           <a:lstStyle/>
           <a:p>
-            <a:endParaRPr lang="it-IT"/>
+            <a:r>
+              <a:rPr lang="it-IT" dirty="0"/>
+              <a:t>SECONDO regalo di babbo natale</a:t>
+            </a:r>
           </a:p>
         </p:txBody>
       </p:sp>
     </p:spTree>
     <p:extLst>
       <p:ext uri="{BB962C8B-B14F-4D97-AF65-F5344CB8AC3E}">
-        <p14:creationId xmlns:p14="http://schemas.microsoft.com/office/powerpoint/2010/main" val="977166620"/>
+        <p14:creationId xmlns:p14="http://schemas.microsoft.com/office/powerpoint/2010/main" val="3002314397"/>
       </p:ext>
     </p:extLst>
   </p:cSld>
@@ -7293,6 +8145,480 @@
       </p:grpSpPr>
       <p:sp>
         <p:nvSpPr>
+          <p:cNvPr id="4" name="CasellaDiTesto 3">
+            <a:extLst>
+              <a:ext uri="{FF2B5EF4-FFF2-40B4-BE49-F238E27FC236}">
+                <a16:creationId xmlns:a16="http://schemas.microsoft.com/office/drawing/2014/main" id="{6517996D-1168-EE96-4175-2BACC161E90E}"/>
+              </a:ext>
+            </a:extLst>
+          </p:cNvPr>
+          <p:cNvSpPr txBox="1"/>
+          <p:nvPr/>
+        </p:nvSpPr>
+        <p:spPr>
+          <a:xfrm>
+            <a:off x="4718649" y="1080306"/>
+            <a:ext cx="4572000" cy="1602939"/>
+          </a:xfrm>
+          <a:prstGeom prst="rect">
+            <a:avLst/>
+          </a:prstGeom>
+          <a:noFill/>
+        </p:spPr>
+        <p:txBody>
+          <a:bodyPr wrap="square">
+            <a:spAutoFit/>
+          </a:bodyPr>
+          <a:lstStyle/>
+          <a:p>
+            <a:pPr marL="0" marR="0" algn="ctr">
+              <a:lnSpc>
+                <a:spcPct val="107000"/>
+              </a:lnSpc>
+              <a:spcBef>
+                <a:spcPts val="0"/>
+              </a:spcBef>
+              <a:spcAft>
+                <a:spcPts val="800"/>
+              </a:spcAft>
+            </a:pPr>
+            <a:r>
+              <a:rPr lang="it-IT" sz="9600" b="1" dirty="0" err="1">
+                <a:ln w="9525" cap="flat" cmpd="sng" algn="ctr">
+                  <a:solidFill>
+                    <a:srgbClr val="FFFFFF"/>
+                  </a:solidFill>
+                  <a:prstDash val="solid"/>
+                  <a:round/>
+                </a:ln>
+                <a:solidFill>
+                  <a:srgbClr val="C00000"/>
+                </a:solidFill>
+                <a:effectLst>
+                  <a:outerShdw blurRad="12700" dist="38100" dir="2700000" algn="tl">
+                    <a:schemeClr val="accent5">
+                      <a:lumMod val="60000"/>
+                      <a:lumOff val="40000"/>
+                    </a:schemeClr>
+                  </a:outerShdw>
+                </a:effectLst>
+                <a:latin typeface="Calibri" panose="020F0502020204030204" pitchFamily="34" charset="0"/>
+                <a:ea typeface="Calibri" panose="020F0502020204030204" pitchFamily="34" charset="0"/>
+                <a:cs typeface="Times New Roman" panose="02020603050405020304" pitchFamily="18" charset="0"/>
+              </a:rPr>
+              <a:t>Wasm</a:t>
+            </a:r>
+            <a:endParaRPr lang="it-IT" sz="9600" dirty="0">
+              <a:solidFill>
+                <a:srgbClr val="C00000"/>
+              </a:solidFill>
+              <a:effectLst/>
+              <a:latin typeface="Calibri" panose="020F0502020204030204" pitchFamily="34" charset="0"/>
+              <a:ea typeface="Calibri" panose="020F0502020204030204" pitchFamily="34" charset="0"/>
+              <a:cs typeface="Times New Roman" panose="02020603050405020304" pitchFamily="18" charset="0"/>
+            </a:endParaRPr>
+          </a:p>
+        </p:txBody>
+      </p:sp>
+      <p:sp>
+        <p:nvSpPr>
+          <p:cNvPr id="2" name="CasellaDiTesto 3">
+            <a:extLst>
+              <a:ext uri="{FF2B5EF4-FFF2-40B4-BE49-F238E27FC236}">
+                <a16:creationId xmlns:a16="http://schemas.microsoft.com/office/drawing/2014/main" id="{2CA1C9FF-0CE7-21A5-2FBD-A5201008DC98}"/>
+              </a:ext>
+            </a:extLst>
+          </p:cNvPr>
+          <p:cNvSpPr txBox="1"/>
+          <p:nvPr/>
+        </p:nvSpPr>
+        <p:spPr>
+          <a:xfrm>
+            <a:off x="4720971" y="2751539"/>
+            <a:ext cx="4572000" cy="1602939"/>
+          </a:xfrm>
+          <a:prstGeom prst="rect">
+            <a:avLst/>
+          </a:prstGeom>
+          <a:noFill/>
+        </p:spPr>
+        <p:txBody>
+          <a:bodyPr wrap="square">
+            <a:spAutoFit/>
+          </a:bodyPr>
+          <a:lstStyle/>
+          <a:p>
+            <a:pPr marL="0" marR="0" algn="ctr">
+              <a:lnSpc>
+                <a:spcPct val="107000"/>
+              </a:lnSpc>
+              <a:spcBef>
+                <a:spcPts val="0"/>
+              </a:spcBef>
+              <a:spcAft>
+                <a:spcPts val="800"/>
+              </a:spcAft>
+            </a:pPr>
+            <a:r>
+              <a:rPr lang="it-IT" sz="9600" b="1" dirty="0" err="1">
+                <a:ln w="9525" cap="flat" cmpd="sng" algn="ctr">
+                  <a:solidFill>
+                    <a:srgbClr val="FFFFFF"/>
+                  </a:solidFill>
+                  <a:prstDash val="solid"/>
+                  <a:round/>
+                </a:ln>
+                <a:solidFill>
+                  <a:srgbClr val="C00000"/>
+                </a:solidFill>
+                <a:effectLst>
+                  <a:outerShdw blurRad="12700" dist="38100" dir="2700000" algn="tl">
+                    <a:schemeClr val="accent5">
+                      <a:lumMod val="60000"/>
+                      <a:lumOff val="40000"/>
+                    </a:schemeClr>
+                  </a:outerShdw>
+                </a:effectLst>
+                <a:latin typeface="Calibri" panose="020F0502020204030204" pitchFamily="34" charset="0"/>
+                <a:ea typeface="Calibri" panose="020F0502020204030204" pitchFamily="34" charset="0"/>
+                <a:cs typeface="Times New Roman" panose="02020603050405020304" pitchFamily="18" charset="0"/>
+              </a:rPr>
+              <a:t>is</a:t>
+            </a:r>
+            <a:r>
+              <a:rPr lang="it-IT" sz="9600" b="1" dirty="0">
+                <a:ln w="9525" cap="flat" cmpd="sng" algn="ctr">
+                  <a:solidFill>
+                    <a:srgbClr val="FFFFFF"/>
+                  </a:solidFill>
+                  <a:prstDash val="solid"/>
+                  <a:round/>
+                </a:ln>
+                <a:solidFill>
+                  <a:srgbClr val="C00000"/>
+                </a:solidFill>
+                <a:effectLst>
+                  <a:outerShdw blurRad="12700" dist="38100" dir="2700000" algn="tl">
+                    <a:schemeClr val="accent5">
+                      <a:lumMod val="60000"/>
+                      <a:lumOff val="40000"/>
+                    </a:schemeClr>
+                  </a:outerShdw>
+                </a:effectLst>
+                <a:latin typeface="Calibri" panose="020F0502020204030204" pitchFamily="34" charset="0"/>
+                <a:ea typeface="Calibri" panose="020F0502020204030204" pitchFamily="34" charset="0"/>
+                <a:cs typeface="Times New Roman" panose="02020603050405020304" pitchFamily="18" charset="0"/>
+              </a:rPr>
+              <a:t> </a:t>
+            </a:r>
+          </a:p>
+        </p:txBody>
+      </p:sp>
+      <p:sp>
+        <p:nvSpPr>
+          <p:cNvPr id="3" name="CasellaDiTesto 3">
+            <a:extLst>
+              <a:ext uri="{FF2B5EF4-FFF2-40B4-BE49-F238E27FC236}">
+                <a16:creationId xmlns:a16="http://schemas.microsoft.com/office/drawing/2014/main" id="{D5F8198A-D419-118A-29DB-FF1126DBA598}"/>
+              </a:ext>
+            </a:extLst>
+          </p:cNvPr>
+          <p:cNvSpPr txBox="1"/>
+          <p:nvPr/>
+        </p:nvSpPr>
+        <p:spPr>
+          <a:xfrm>
+            <a:off x="4718649" y="4422772"/>
+            <a:ext cx="4572000" cy="1602939"/>
+          </a:xfrm>
+          <a:prstGeom prst="rect">
+            <a:avLst/>
+          </a:prstGeom>
+          <a:noFill/>
+        </p:spPr>
+        <p:txBody>
+          <a:bodyPr wrap="square">
+            <a:spAutoFit/>
+          </a:bodyPr>
+          <a:lstStyle/>
+          <a:p>
+            <a:pPr marL="0" marR="0" algn="ctr">
+              <a:lnSpc>
+                <a:spcPct val="107000"/>
+              </a:lnSpc>
+              <a:spcBef>
+                <a:spcPts val="0"/>
+              </a:spcBef>
+              <a:spcAft>
+                <a:spcPts val="800"/>
+              </a:spcAft>
+            </a:pPr>
+            <a:r>
+              <a:rPr lang="it-IT" sz="9600" b="1" dirty="0" err="1">
+                <a:ln w="9525" cap="flat" cmpd="sng" algn="ctr">
+                  <a:solidFill>
+                    <a:srgbClr val="FFFFFF"/>
+                  </a:solidFill>
+                  <a:prstDash val="solid"/>
+                  <a:round/>
+                </a:ln>
+                <a:solidFill>
+                  <a:srgbClr val="C00000"/>
+                </a:solidFill>
+                <a:effectLst>
+                  <a:outerShdw blurRad="12700" dist="38100" dir="2700000" algn="tl">
+                    <a:schemeClr val="accent5">
+                      <a:lumMod val="60000"/>
+                      <a:lumOff val="40000"/>
+                    </a:schemeClr>
+                  </a:outerShdw>
+                </a:effectLst>
+                <a:latin typeface="Calibri" panose="020F0502020204030204" pitchFamily="34" charset="0"/>
+                <a:ea typeface="Calibri" panose="020F0502020204030204" pitchFamily="34" charset="0"/>
+                <a:cs typeface="Times New Roman" panose="02020603050405020304" pitchFamily="18" charset="0"/>
+              </a:rPr>
+              <a:t>Awsm</a:t>
+            </a:r>
+            <a:r>
+              <a:rPr lang="it-IT" sz="9600" b="1" dirty="0">
+                <a:ln w="9525" cap="flat" cmpd="sng" algn="ctr">
+                  <a:solidFill>
+                    <a:srgbClr val="FFFFFF"/>
+                  </a:solidFill>
+                  <a:prstDash val="solid"/>
+                  <a:round/>
+                </a:ln>
+                <a:solidFill>
+                  <a:srgbClr val="C00000"/>
+                </a:solidFill>
+                <a:effectLst>
+                  <a:outerShdw blurRad="12700" dist="38100" dir="2700000" algn="tl">
+                    <a:schemeClr val="accent5">
+                      <a:lumMod val="60000"/>
+                      <a:lumOff val="40000"/>
+                    </a:schemeClr>
+                  </a:outerShdw>
+                </a:effectLst>
+                <a:latin typeface="Calibri" panose="020F0502020204030204" pitchFamily="34" charset="0"/>
+                <a:ea typeface="Calibri" panose="020F0502020204030204" pitchFamily="34" charset="0"/>
+                <a:cs typeface="Times New Roman" panose="02020603050405020304" pitchFamily="18" charset="0"/>
+              </a:rPr>
+              <a:t>!</a:t>
+            </a:r>
+          </a:p>
+        </p:txBody>
+      </p:sp>
+    </p:spTree>
+    <p:extLst>
+      <p:ext uri="{BB962C8B-B14F-4D97-AF65-F5344CB8AC3E}">
+        <p14:creationId xmlns:p14="http://schemas.microsoft.com/office/powerpoint/2010/main" val="3987305058"/>
+      </p:ext>
+    </p:extLst>
+  </p:cSld>
+  <p:clrMapOvr>
+    <a:masterClrMapping/>
+  </p:clrMapOvr>
+  <p:timing>
+    <p:tnLst>
+      <p:par>
+        <p:cTn id="1" dur="indefinite" restart="never" nodeType="tmRoot">
+          <p:childTnLst>
+            <p:seq concurrent="1" nextAc="seek">
+              <p:cTn id="2" dur="indefinite" nodeType="mainSeq">
+                <p:childTnLst>
+                  <p:par>
+                    <p:cTn id="3" fill="hold">
+                      <p:stCondLst>
+                        <p:cond delay="indefinite"/>
+                      </p:stCondLst>
+                      <p:childTnLst>
+                        <p:par>
+                          <p:cTn id="4" fill="hold">
+                            <p:stCondLst>
+                              <p:cond delay="0"/>
+                            </p:stCondLst>
+                            <p:childTnLst>
+                              <p:par>
+                                <p:cTn id="5" presetID="1" presetClass="entr" presetSubtype="0" fill="hold" grpId="0" nodeType="clickEffect">
+                                  <p:stCondLst>
+                                    <p:cond delay="0"/>
+                                  </p:stCondLst>
+                                  <p:childTnLst>
+                                    <p:set>
+                                      <p:cBhvr>
+                                        <p:cTn id="6" dur="1" fill="hold">
+                                          <p:stCondLst>
+                                            <p:cond delay="0"/>
+                                          </p:stCondLst>
+                                        </p:cTn>
+                                        <p:tgtEl>
+                                          <p:spTgt spid="2"/>
+                                        </p:tgtEl>
+                                        <p:attrNameLst>
+                                          <p:attrName>style.visibility</p:attrName>
+                                        </p:attrNameLst>
+                                      </p:cBhvr>
+                                      <p:to>
+                                        <p:strVal val="visible"/>
+                                      </p:to>
+                                    </p:set>
+                                  </p:childTnLst>
+                                </p:cTn>
+                              </p:par>
+                            </p:childTnLst>
+                          </p:cTn>
+                        </p:par>
+                      </p:childTnLst>
+                    </p:cTn>
+                  </p:par>
+                  <p:par>
+                    <p:cTn id="7" fill="hold">
+                      <p:stCondLst>
+                        <p:cond delay="indefinite"/>
+                      </p:stCondLst>
+                      <p:childTnLst>
+                        <p:par>
+                          <p:cTn id="8" fill="hold">
+                            <p:stCondLst>
+                              <p:cond delay="0"/>
+                            </p:stCondLst>
+                            <p:childTnLst>
+                              <p:par>
+                                <p:cTn id="9" presetID="1" presetClass="entr" presetSubtype="0" fill="hold" grpId="0" nodeType="clickEffect">
+                                  <p:stCondLst>
+                                    <p:cond delay="0"/>
+                                  </p:stCondLst>
+                                  <p:childTnLst>
+                                    <p:set>
+                                      <p:cBhvr>
+                                        <p:cTn id="10" dur="1" fill="hold">
+                                          <p:stCondLst>
+                                            <p:cond delay="0"/>
+                                          </p:stCondLst>
+                                        </p:cTn>
+                                        <p:tgtEl>
+                                          <p:spTgt spid="3"/>
+                                        </p:tgtEl>
+                                        <p:attrNameLst>
+                                          <p:attrName>style.visibility</p:attrName>
+                                        </p:attrNameLst>
+                                      </p:cBhvr>
+                                      <p:to>
+                                        <p:strVal val="visible"/>
+                                      </p:to>
+                                    </p:set>
+                                  </p:childTnLst>
+                                </p:cTn>
+                              </p:par>
+                            </p:childTnLst>
+                          </p:cTn>
+                        </p:par>
+                      </p:childTnLst>
+                    </p:cTn>
+                  </p:par>
+                </p:childTnLst>
+              </p:cTn>
+              <p:prevCondLst>
+                <p:cond evt="onPrev" delay="0">
+                  <p:tgtEl>
+                    <p:sldTgt/>
+                  </p:tgtEl>
+                </p:cond>
+              </p:prevCondLst>
+              <p:nextCondLst>
+                <p:cond evt="onNext" delay="0">
+                  <p:tgtEl>
+                    <p:sldTgt/>
+                  </p:tgtEl>
+                </p:cond>
+              </p:nextCondLst>
+            </p:seq>
+          </p:childTnLst>
+        </p:cTn>
+      </p:par>
+    </p:tnLst>
+    <p:bldLst>
+      <p:bldP spid="2" grpId="0"/>
+      <p:bldP spid="3" grpId="0"/>
+    </p:bldLst>
+  </p:timing>
+</p:sld>
+</file>
+
+<file path=ppt/slides/slide24.xml><?xml version="1.0" encoding="utf-8"?>
+<p:sld xmlns:a="http://schemas.openxmlformats.org/drawingml/2006/main" xmlns:r="http://schemas.openxmlformats.org/officeDocument/2006/relationships" xmlns:p="http://schemas.openxmlformats.org/presentationml/2006/main">
+  <p:cSld>
+    <p:spTree>
+      <p:nvGrpSpPr>
+        <p:cNvPr id="1" name=""/>
+        <p:cNvGrpSpPr/>
+        <p:nvPr/>
+      </p:nvGrpSpPr>
+      <p:grpSpPr>
+        <a:xfrm>
+          <a:off x="0" y="0"/>
+          <a:ext cx="0" cy="0"/>
+          <a:chOff x="0" y="0"/>
+          <a:chExt cx="0" cy="0"/>
+        </a:xfrm>
+      </p:grpSpPr>
+      <p:sp>
+        <p:nvSpPr>
+          <p:cNvPr id="2" name="Titolo 1">
+            <a:extLst>
+              <a:ext uri="{FF2B5EF4-FFF2-40B4-BE49-F238E27FC236}">
+                <a16:creationId xmlns:a16="http://schemas.microsoft.com/office/drawing/2014/main" id="{20DA8F03-CABA-49A2-A0D0-7DDF3505AE67}"/>
+              </a:ext>
+            </a:extLst>
+          </p:cNvPr>
+          <p:cNvSpPr>
+            <a:spLocks noGrp="1"/>
+          </p:cNvSpPr>
+          <p:nvPr>
+            <p:ph type="title"/>
+          </p:nvPr>
+        </p:nvSpPr>
+        <p:spPr/>
+        <p:txBody>
+          <a:bodyPr/>
+          <a:lstStyle/>
+          <a:p>
+            <a:endParaRPr lang="it-IT"/>
+          </a:p>
+        </p:txBody>
+      </p:sp>
+    </p:spTree>
+    <p:extLst>
+      <p:ext uri="{BB962C8B-B14F-4D97-AF65-F5344CB8AC3E}">
+        <p14:creationId xmlns:p14="http://schemas.microsoft.com/office/powerpoint/2010/main" val="977166620"/>
+      </p:ext>
+    </p:extLst>
+  </p:cSld>
+  <p:clrMapOvr>
+    <a:masterClrMapping/>
+  </p:clrMapOvr>
+</p:sld>
+</file>
+
+<file path=ppt/slides/slide25.xml><?xml version="1.0" encoding="utf-8"?>
+<p:sld xmlns:a="http://schemas.openxmlformats.org/drawingml/2006/main" xmlns:r="http://schemas.openxmlformats.org/officeDocument/2006/relationships" xmlns:p="http://schemas.openxmlformats.org/presentationml/2006/main">
+  <p:cSld>
+    <p:spTree>
+      <p:nvGrpSpPr>
+        <p:cNvPr id="1" name=""/>
+        <p:cNvGrpSpPr/>
+        <p:nvPr/>
+      </p:nvGrpSpPr>
+      <p:grpSpPr>
+        <a:xfrm>
+          <a:off x="0" y="0"/>
+          <a:ext cx="0" cy="0"/>
+          <a:chOff x="0" y="0"/>
+          <a:chExt cx="0" cy="0"/>
+        </a:xfrm>
+      </p:grpSpPr>
+      <p:sp>
+        <p:nvSpPr>
           <p:cNvPr id="2" name="Titolo 1">
             <a:extLst>
               <a:ext uri="{FF2B5EF4-FFF2-40B4-BE49-F238E27FC236}">
@@ -7654,7 +8980,7 @@
         </p:nvSpPr>
         <p:spPr>
           <a:xfrm>
-            <a:off x="3268963" y="1929387"/>
+            <a:off x="3248124" y="1929387"/>
             <a:ext cx="3240281" cy="489365"/>
           </a:xfrm>
           <a:prstGeom prst="rect">
@@ -7876,14 +9202,6 @@
 <file path=ppt/slides/slide4.xml><?xml version="1.0" encoding="utf-8"?>
 <p:sld xmlns:a="http://schemas.openxmlformats.org/drawingml/2006/main" xmlns:r="http://schemas.openxmlformats.org/officeDocument/2006/relationships" xmlns:p="http://schemas.openxmlformats.org/presentationml/2006/main">
   <p:cSld>
-    <p:bg>
-      <p:bgPr>
-        <a:solidFill>
-          <a:schemeClr val="bg1"/>
-        </a:solidFill>
-        <a:effectLst/>
-      </p:bgPr>
-    </p:bg>
     <p:spTree>
       <p:nvGrpSpPr>
         <p:cNvPr id="1" name=""/>
@@ -7900,289 +9218,38 @@
       </p:grpSpPr>
       <p:sp>
         <p:nvSpPr>
-          <p:cNvPr id="6" name="CasellaDiTesto 5">
-            <a:extLst>
-              <a:ext uri="{FF2B5EF4-FFF2-40B4-BE49-F238E27FC236}">
-                <a16:creationId xmlns:a16="http://schemas.microsoft.com/office/drawing/2014/main" id="{6ACC359D-8A10-BFB0-6C1F-978AC9BC03FE}"/>
-              </a:ext>
-            </a:extLst>
-          </p:cNvPr>
-          <p:cNvSpPr txBox="1"/>
-          <p:nvPr/>
-        </p:nvSpPr>
-        <p:spPr>
-          <a:xfrm>
-            <a:off x="4864100" y="338328"/>
-            <a:ext cx="6675627" cy="1605083"/>
-          </a:xfrm>
-          <a:prstGeom prst="rect">
-            <a:avLst/>
-          </a:prstGeom>
-        </p:spPr>
-        <p:txBody>
-          <a:bodyPr vert="horz" lIns="91440" tIns="45720" rIns="91440" bIns="45720" rtlCol="0" anchor="ctr">
-            <a:normAutofit/>
-          </a:bodyPr>
-          <a:lstStyle/>
-          <a:p>
-            <a:pPr indent="-228600">
-              <a:lnSpc>
-                <a:spcPct val="90000"/>
-              </a:lnSpc>
-              <a:spcAft>
-                <a:spcPts val="600"/>
-              </a:spcAft>
-              <a:buFont typeface="Arial" panose="020B0604020202020204" pitchFamily="34" charset="0"/>
-              <a:buChar char="•"/>
-            </a:pPr>
-            <a:r>
-              <a:rPr lang="en-US" sz="2800" dirty="0">
-                <a:solidFill>
-                  <a:srgbClr val="C00000"/>
-                </a:solidFill>
-              </a:rPr>
-              <a:t>1989</a:t>
-            </a:r>
-          </a:p>
-          <a:p>
-            <a:pPr indent="-228600">
-              <a:lnSpc>
-                <a:spcPct val="90000"/>
-              </a:lnSpc>
-              <a:spcAft>
-                <a:spcPts val="600"/>
-              </a:spcAft>
-              <a:buFont typeface="Arial" panose="020B0604020202020204" pitchFamily="34" charset="0"/>
-              <a:buChar char="•"/>
-            </a:pPr>
-            <a:r>
-              <a:rPr lang="en-US" sz="2800" dirty="0">
-                <a:solidFill>
-                  <a:srgbClr val="C00000"/>
-                </a:solidFill>
-              </a:rPr>
-              <a:t>Che </a:t>
-            </a:r>
-            <a:r>
-              <a:rPr lang="en-US" sz="2800" dirty="0" err="1">
-                <a:solidFill>
-                  <a:srgbClr val="C00000"/>
-                </a:solidFill>
-              </a:rPr>
-              <a:t>fatica</a:t>
-            </a:r>
-            <a:r>
-              <a:rPr lang="en-US" sz="2800" dirty="0">
-                <a:solidFill>
-                  <a:srgbClr val="C00000"/>
-                </a:solidFill>
-              </a:rPr>
-              <a:t> </a:t>
-            </a:r>
-            <a:r>
-              <a:rPr lang="en-US" sz="2800" dirty="0" err="1">
-                <a:solidFill>
-                  <a:srgbClr val="C00000"/>
-                </a:solidFill>
-              </a:rPr>
-              <a:t>questi</a:t>
-            </a:r>
-            <a:r>
-              <a:rPr lang="en-US" sz="2800" dirty="0">
-                <a:solidFill>
-                  <a:srgbClr val="C00000"/>
-                </a:solidFill>
-              </a:rPr>
-              <a:t> </a:t>
-            </a:r>
-            <a:r>
-              <a:rPr lang="en-US" sz="2800" dirty="0" err="1">
-                <a:solidFill>
-                  <a:srgbClr val="C00000"/>
-                </a:solidFill>
-              </a:rPr>
-              <a:t>elfi</a:t>
-            </a:r>
-            <a:endParaRPr lang="en-US" sz="2800" dirty="0">
-              <a:solidFill>
-                <a:srgbClr val="C00000"/>
-              </a:solidFill>
-            </a:endParaRPr>
-          </a:p>
-        </p:txBody>
-      </p:sp>
-      <p:sp>
-        <p:nvSpPr>
-          <p:cNvPr id="11" name="Rectangle 10">
-            <a:extLst>
-              <a:ext uri="{FF2B5EF4-FFF2-40B4-BE49-F238E27FC236}">
-                <a16:creationId xmlns:a16="http://schemas.microsoft.com/office/drawing/2014/main" id="{5AAE9118-0436-4488-AC4A-C14DF6A7B6B1}"/>
-              </a:ext>
-              <a:ext uri="{C183D7F6-B498-43B3-948B-1728B52AA6E4}">
-                <adec:decorative xmlns:adec="http://schemas.microsoft.com/office/drawing/2017/decorative" val="1"/>
+          <p:cNvPr id="2" name="Titolo 1">
+            <a:extLst>
+              <a:ext uri="{FF2B5EF4-FFF2-40B4-BE49-F238E27FC236}">
+                <a16:creationId xmlns:a16="http://schemas.microsoft.com/office/drawing/2014/main" id="{16192DF2-85AE-0A49-93E4-29A99805EED7}"/>
               </a:ext>
             </a:extLst>
           </p:cNvPr>
           <p:cNvSpPr>
-            <a:spLocks noGrp="1" noRot="1" noChangeAspect="1" noMove="1" noResize="1" noEditPoints="1" noAdjustHandles="1" noChangeArrowheads="1" noChangeShapeType="1" noTextEdit="1"/>
+            <a:spLocks noGrp="1"/>
           </p:cNvSpPr>
           <p:nvPr>
-            <p:extLst>
-              <p:ext uri="{386F3935-93C4-4BCD-93E2-E3B085C9AB24}">
-                <p16:designElem xmlns:p16="http://schemas.microsoft.com/office/powerpoint/2015/main" val="1"/>
-              </p:ext>
-            </p:extLst>
+            <p:ph type="title"/>
           </p:nvPr>
         </p:nvSpPr>
-        <p:spPr>
-          <a:xfrm>
-            <a:off x="-2" y="2211010"/>
-            <a:ext cx="12192002" cy="4646990"/>
-          </a:xfrm>
-          <a:prstGeom prst="rect">
-            <a:avLst/>
-          </a:prstGeom>
-          <a:solidFill>
-            <a:srgbClr val="C8CACA"/>
-          </a:solidFill>
-          <a:ln>
-            <a:noFill/>
-          </a:ln>
-        </p:spPr>
-        <p:style>
-          <a:lnRef idx="2">
-            <a:schemeClr val="accent1">
-              <a:shade val="50000"/>
-            </a:schemeClr>
-          </a:lnRef>
-          <a:fillRef idx="1">
-            <a:schemeClr val="accent1"/>
-          </a:fillRef>
-          <a:effectRef idx="0">
-            <a:schemeClr val="accent1"/>
-          </a:effectRef>
-          <a:fontRef idx="minor">
-            <a:schemeClr val="lt1"/>
-          </a:fontRef>
-        </p:style>
+        <p:spPr/>
         <p:txBody>
-          <a:bodyPr rtlCol="0" anchor="ctr"/>
+          <a:bodyPr/>
           <a:lstStyle/>
           <a:p>
-            <a:pPr marL="0" marR="0" lvl="0" indent="0" algn="ctr" defTabSz="914400" rtl="0" eaLnBrk="1" fontAlgn="auto" latinLnBrk="0" hangingPunct="1">
-              <a:lnSpc>
-                <a:spcPct val="100000"/>
-              </a:lnSpc>
-              <a:spcBef>
-                <a:spcPts val="0"/>
-              </a:spcBef>
-              <a:spcAft>
-                <a:spcPts val="0"/>
-              </a:spcAft>
-              <a:buClrTx/>
-              <a:buSzTx/>
-              <a:buFontTx/>
-              <a:buNone/>
-              <a:tabLst/>
-              <a:defRPr/>
-            </a:pPr>
-            <a:endParaRPr kumimoji="0" lang="en-US" sz="1800" b="0" i="0" u="none" strike="noStrike" kern="1200" cap="none" spc="0" normalizeH="0" baseline="0" noProof="0">
-              <a:ln>
-                <a:noFill/>
-              </a:ln>
-              <a:solidFill>
-                <a:prstClr val="white"/>
-              </a:solidFill>
-              <a:effectLst/>
-              <a:uLnTx/>
-              <a:uFillTx/>
-              <a:latin typeface="Calibri" panose="020F0502020204030204"/>
-              <a:ea typeface="+mn-ea"/>
-              <a:cs typeface="+mn-cs"/>
-            </a:endParaRPr>
-          </a:p>
-        </p:txBody>
-      </p:sp>
-      <p:sp>
-        <p:nvSpPr>
-          <p:cNvPr id="13" name="Rounded Rectangle 26">
-            <a:extLst>
-              <a:ext uri="{FF2B5EF4-FFF2-40B4-BE49-F238E27FC236}">
-                <a16:creationId xmlns:a16="http://schemas.microsoft.com/office/drawing/2014/main" id="{1B10F861-B8F1-49C7-BD58-EAB20CEE7F93}"/>
-              </a:ext>
-              <a:ext uri="{C183D7F6-B498-43B3-948B-1728B52AA6E4}">
-                <adec:decorative xmlns:adec="http://schemas.microsoft.com/office/drawing/2017/decorative" val="1"/>
-              </a:ext>
-            </a:extLst>
-          </p:cNvPr>
-          <p:cNvSpPr>
-            <a:spLocks noGrp="1" noRot="1" noChangeAspect="1" noMove="1" noResize="1" noEditPoints="1" noAdjustHandles="1" noChangeArrowheads="1" noChangeShapeType="1" noTextEdit="1"/>
-          </p:cNvSpPr>
-          <p:nvPr>
-            <p:extLst>
-              <p:ext uri="{386F3935-93C4-4BCD-93E2-E3B085C9AB24}">
-                <p16:designElem xmlns:p16="http://schemas.microsoft.com/office/powerpoint/2015/main" val="1"/>
-              </p:ext>
-            </p:extLst>
-          </p:nvPr>
-        </p:nvSpPr>
-        <p:spPr>
-          <a:xfrm>
-            <a:off x="321564" y="2423160"/>
-            <a:ext cx="5613569" cy="3930315"/>
-          </a:xfrm>
-          <a:prstGeom prst="roundRect">
-            <a:avLst>
-              <a:gd name="adj" fmla="val 0"/>
-            </a:avLst>
-          </a:prstGeom>
-          <a:solidFill>
-            <a:srgbClr val="FFFFFF"/>
-          </a:solidFill>
-          <a:ln w="9525">
-            <a:solidFill>
-              <a:srgbClr val="C8CACA"/>
-            </a:solidFill>
-          </a:ln>
-          <a:effectLst>
-            <a:outerShdw blurRad="57150" dist="19050" dir="5400000" algn="t" rotWithShape="0">
-              <a:prstClr val="black">
-                <a:alpha val="63000"/>
-              </a:prstClr>
-            </a:outerShdw>
-          </a:effectLst>
-        </p:spPr>
-        <p:style>
-          <a:lnRef idx="2">
-            <a:schemeClr val="accent1">
-              <a:shade val="50000"/>
-            </a:schemeClr>
-          </a:lnRef>
-          <a:fillRef idx="1">
-            <a:schemeClr val="accent1"/>
-          </a:fillRef>
-          <a:effectRef idx="0">
-            <a:schemeClr val="accent1"/>
-          </a:effectRef>
-          <a:fontRef idx="minor">
-            <a:schemeClr val="lt1"/>
-          </a:fontRef>
-        </p:style>
-        <p:txBody>
-          <a:bodyPr rtlCol="0" anchor="ctr"/>
-          <a:lstStyle/>
-          <a:p>
-            <a:pPr algn="ctr"/>
-            <a:endParaRPr lang="en-US"/>
+            <a:r>
+              <a:rPr lang="it-IT" dirty="0"/>
+              <a:t>UN PROBLEMA DI … TRASMISSIONE DI LETTERINE</a:t>
+            </a:r>
           </a:p>
         </p:txBody>
       </p:sp>
       <p:pic>
         <p:nvPicPr>
-          <p:cNvPr id="5" name="Picture 2" descr="HTML Source Code Viewer Websit - App su Google Play">
-            <a:extLst>
-              <a:ext uri="{FF2B5EF4-FFF2-40B4-BE49-F238E27FC236}">
-                <a16:creationId xmlns:a16="http://schemas.microsoft.com/office/drawing/2014/main" id="{41F4A7E7-DB46-FD47-7E93-CD1B4918AF67}"/>
+          <p:cNvPr id="4100" name="Picture 4" descr="‘Santa Claus’ rests his elbows on a desk and his head on his hands. The desk is covered with presents and letters. A Christmas tree is in the background, out of focus.">
+            <a:extLst>
+              <a:ext uri="{FF2B5EF4-FFF2-40B4-BE49-F238E27FC236}">
+                <a16:creationId xmlns:a16="http://schemas.microsoft.com/office/drawing/2014/main" id="{02976D5E-F571-F70A-2E40-2C65D9607CE9}"/>
               </a:ext>
             </a:extLst>
           </p:cNvPr>
@@ -8199,14 +9266,15 @@
               </a:ext>
             </a:extLst>
           </a:blip>
+          <a:srcRect/>
           <a:stretch>
             <a:fillRect/>
           </a:stretch>
         </p:blipFill>
         <p:spPr bwMode="auto">
           <a:xfrm>
-            <a:off x="1482428" y="2742397"/>
-            <a:ext cx="3291840" cy="3291840"/>
+            <a:off x="3419060" y="1659835"/>
+            <a:ext cx="7088449" cy="3969716"/>
           </a:xfrm>
           <a:prstGeom prst="rect">
             <a:avLst/>
@@ -8223,130 +9291,10 @@
           </a:extLst>
         </p:spPr>
       </p:pic>
-      <p:sp>
-        <p:nvSpPr>
-          <p:cNvPr id="15" name="Rounded Rectangle 16">
-            <a:extLst>
-              <a:ext uri="{FF2B5EF4-FFF2-40B4-BE49-F238E27FC236}">
-                <a16:creationId xmlns:a16="http://schemas.microsoft.com/office/drawing/2014/main" id="{61F6E425-22AB-4DA2-8FAC-58ADB58EF6C3}"/>
-              </a:ext>
-              <a:ext uri="{C183D7F6-B498-43B3-948B-1728B52AA6E4}">
-                <adec:decorative xmlns:adec="http://schemas.microsoft.com/office/drawing/2017/decorative" val="1"/>
-              </a:ext>
-            </a:extLst>
-          </p:cNvPr>
-          <p:cNvSpPr>
-            <a:spLocks noGrp="1" noRot="1" noChangeAspect="1" noMove="1" noResize="1" noEditPoints="1" noAdjustHandles="1" noChangeArrowheads="1" noChangeShapeType="1" noTextEdit="1"/>
-          </p:cNvSpPr>
-          <p:nvPr>
-            <p:extLst>
-              <p:ext uri="{386F3935-93C4-4BCD-93E2-E3B085C9AB24}">
-                <p16:designElem xmlns:p16="http://schemas.microsoft.com/office/powerpoint/2015/main" val="1"/>
-              </p:ext>
-            </p:extLst>
-          </p:nvPr>
-        </p:nvSpPr>
-        <p:spPr>
-          <a:xfrm>
-            <a:off x="6254749" y="2423160"/>
-            <a:ext cx="5613569" cy="3930315"/>
-          </a:xfrm>
-          <a:prstGeom prst="roundRect">
-            <a:avLst>
-              <a:gd name="adj" fmla="val 0"/>
-            </a:avLst>
-          </a:prstGeom>
-          <a:solidFill>
-            <a:srgbClr val="FFFFFF"/>
-          </a:solidFill>
-          <a:ln w="9525">
-            <a:solidFill>
-              <a:srgbClr val="C8CACA"/>
-            </a:solidFill>
-          </a:ln>
-          <a:effectLst>
-            <a:outerShdw blurRad="57150" dist="19050" dir="5400000" algn="t" rotWithShape="0">
-              <a:prstClr val="black">
-                <a:alpha val="63000"/>
-              </a:prstClr>
-            </a:outerShdw>
-          </a:effectLst>
-        </p:spPr>
-        <p:style>
-          <a:lnRef idx="2">
-            <a:schemeClr val="accent1">
-              <a:shade val="50000"/>
-            </a:schemeClr>
-          </a:lnRef>
-          <a:fillRef idx="1">
-            <a:schemeClr val="accent1"/>
-          </a:fillRef>
-          <a:effectRef idx="0">
-            <a:schemeClr val="accent1"/>
-          </a:effectRef>
-          <a:fontRef idx="minor">
-            <a:schemeClr val="lt1"/>
-          </a:fontRef>
-        </p:style>
-        <p:txBody>
-          <a:bodyPr rtlCol="0" anchor="ctr"/>
-          <a:lstStyle/>
-          <a:p>
-            <a:pPr algn="ctr"/>
-            <a:endParaRPr lang="en-US"/>
-          </a:p>
-        </p:txBody>
-      </p:sp>
-      <p:pic>
-        <p:nvPicPr>
-          <p:cNvPr id="4" name="Picture 2" descr="Carta da Parati Elfo di Babbo Natale sul bordo Sign - rendering 3D -  PIXERS.IT">
-            <a:extLst>
-              <a:ext uri="{FF2B5EF4-FFF2-40B4-BE49-F238E27FC236}">
-                <a16:creationId xmlns:a16="http://schemas.microsoft.com/office/drawing/2014/main" id="{C540919F-B4CF-9AFC-D2DD-7C1619690FF4}"/>
-              </a:ext>
-            </a:extLst>
-          </p:cNvPr>
-          <p:cNvPicPr>
-            <a:picLocks noChangeAspect="1" noChangeArrowheads="1"/>
-          </p:cNvPicPr>
-          <p:nvPr/>
-        </p:nvPicPr>
-        <p:blipFill>
-          <a:blip r:embed="rId3">
-            <a:extLst>
-              <a:ext uri="{28A0092B-C50C-407E-A947-70E740481C1C}">
-                <a14:useLocalDpi xmlns:a14="http://schemas.microsoft.com/office/drawing/2010/main" val="0"/>
-              </a:ext>
-            </a:extLst>
-          </a:blip>
-          <a:stretch>
-            <a:fillRect/>
-          </a:stretch>
-        </p:blipFill>
-        <p:spPr bwMode="auto">
-          <a:xfrm>
-            <a:off x="6788663" y="2742397"/>
-            <a:ext cx="4549977" cy="3291840"/>
-          </a:xfrm>
-          <a:prstGeom prst="rect">
-            <a:avLst/>
-          </a:prstGeom>
-          <a:noFill/>
-          <a:extLst>
-            <a:ext uri="{909E8E84-426E-40DD-AFC4-6F175D3DCCD1}">
-              <a14:hiddenFill xmlns:a14="http://schemas.microsoft.com/office/drawing/2010/main">
-                <a:solidFill>
-                  <a:srgbClr val="FFFFFF"/>
-                </a:solidFill>
-              </a14:hiddenFill>
-            </a:ext>
-          </a:extLst>
-        </p:spPr>
-      </p:pic>
     </p:spTree>
     <p:extLst>
       <p:ext uri="{BB962C8B-B14F-4D97-AF65-F5344CB8AC3E}">
-        <p14:creationId xmlns:p14="http://schemas.microsoft.com/office/powerpoint/2010/main" val="1244639699"/>
+        <p14:creationId xmlns:p14="http://schemas.microsoft.com/office/powerpoint/2010/main" val="2114023796"/>
       </p:ext>
     </p:extLst>
   </p:cSld>
@@ -8383,10 +9331,10 @@
       </p:grpSpPr>
       <p:sp>
         <p:nvSpPr>
-          <p:cNvPr id="5" name="CasellaDiTesto 4">
-            <a:extLst>
-              <a:ext uri="{FF2B5EF4-FFF2-40B4-BE49-F238E27FC236}">
-                <a16:creationId xmlns:a16="http://schemas.microsoft.com/office/drawing/2014/main" id="{356A41B5-F058-D3DD-5933-029404C7D0A6}"/>
+          <p:cNvPr id="6" name="CasellaDiTesto 5">
+            <a:extLst>
+              <a:ext uri="{FF2B5EF4-FFF2-40B4-BE49-F238E27FC236}">
+                <a16:creationId xmlns:a16="http://schemas.microsoft.com/office/drawing/2014/main" id="{6ACC359D-8A10-BFB0-6C1F-978AC9BC03FE}"/>
               </a:ext>
             </a:extLst>
           </p:cNvPr>
@@ -8408,15 +9356,13 @@
           </a:bodyPr>
           <a:lstStyle/>
           <a:p>
-            <a:pPr indent="-228600">
+            <a:pPr>
               <a:lnSpc>
                 <a:spcPct val="90000"/>
               </a:lnSpc>
               <a:spcAft>
                 <a:spcPts val="600"/>
               </a:spcAft>
-              <a:buFont typeface="Arial" panose="020B0604020202020204" pitchFamily="34" charset="0"/>
-              <a:buChar char="•"/>
             </a:pPr>
             <a:r>
               <a:rPr lang="en-US" sz="2800" dirty="0">
@@ -8424,19 +9370,25 @@
                   <a:srgbClr val="C00000"/>
                 </a:solidFill>
               </a:rPr>
-              <a:t>1995</a:t>
-            </a:r>
-          </a:p>
-          <a:p>
-            <a:pPr indent="-228600">
+              <a:t>🗓️ 1989 – </a:t>
+            </a:r>
+            <a:r>
+              <a:rPr lang="en-US" sz="2800" i="1" dirty="0">
+                <a:solidFill>
+                  <a:srgbClr val="C00000"/>
+                </a:solidFill>
+              </a:rPr>
+              <a:t>Tim Berners-Lee</a:t>
+            </a:r>
+          </a:p>
+          <a:p>
+            <a:pPr>
               <a:lnSpc>
                 <a:spcPct val="90000"/>
               </a:lnSpc>
               <a:spcAft>
                 <a:spcPts val="600"/>
               </a:spcAft>
-              <a:buFont typeface="Arial" panose="020B0604020202020204" pitchFamily="34" charset="0"/>
-              <a:buChar char="•"/>
             </a:pPr>
             <a:r>
               <a:rPr lang="en-US" sz="2800" dirty="0">
@@ -8444,7 +9396,7 @@
                   <a:srgbClr val="C00000"/>
                 </a:solidFill>
               </a:rPr>
-              <a:t>JavaScript … e </a:t>
+              <a:t>	Che </a:t>
             </a:r>
             <a:r>
               <a:rPr lang="en-US" sz="2800" dirty="0" err="1">
@@ -8452,7 +9404,7 @@
                   <a:srgbClr val="C00000"/>
                 </a:solidFill>
               </a:rPr>
-              <a:t>nulla</a:t>
+              <a:t>fatica</a:t>
             </a:r>
             <a:r>
               <a:rPr lang="en-US" sz="2800" dirty="0">
@@ -8460,7 +9412,7 @@
                   <a:srgbClr val="C00000"/>
                 </a:solidFill>
               </a:rPr>
-              <a:t> fu </a:t>
+              <a:t> </a:t>
             </a:r>
             <a:r>
               <a:rPr lang="en-US" sz="2800" dirty="0" err="1">
@@ -8468,7 +9420,7 @@
                   <a:srgbClr val="C00000"/>
                 </a:solidFill>
               </a:rPr>
-              <a:t>più</a:t>
+              <a:t>questi</a:t>
             </a:r>
             <a:r>
               <a:rPr lang="en-US" sz="2800" dirty="0">
@@ -8476,8 +9428,21 @@
                   <a:srgbClr val="C00000"/>
                 </a:solidFill>
               </a:rPr>
-              <a:t> come prima!</a:t>
-            </a:r>
+              <a:t> </a:t>
+            </a:r>
+            <a:r>
+              <a:rPr lang="en-US" sz="2800" dirty="0" err="1">
+                <a:solidFill>
+                  <a:srgbClr val="C00000"/>
+                </a:solidFill>
+              </a:rPr>
+              <a:t>elfi</a:t>
+            </a:r>
+            <a:endParaRPr lang="en-US" sz="2800" dirty="0">
+              <a:solidFill>
+                <a:srgbClr val="C00000"/>
+              </a:solidFill>
+            </a:endParaRPr>
           </a:p>
         </p:txBody>
       </p:sp>
@@ -8649,10 +9614,10 @@
       </p:sp>
       <p:pic>
         <p:nvPicPr>
-          <p:cNvPr id="6" name="Picture 2" descr="Caro Babbo Natale -24 &amp; Il Mondo secondo Bombetti - Mammaholic">
-            <a:extLst>
-              <a:ext uri="{FF2B5EF4-FFF2-40B4-BE49-F238E27FC236}">
-                <a16:creationId xmlns:a16="http://schemas.microsoft.com/office/drawing/2014/main" id="{2722B2FC-A5F0-A71B-10DC-573680E828D8}"/>
+          <p:cNvPr id="5" name="Picture 2" descr="HTML Source Code Viewer Websit - App su Google Play">
+            <a:extLst>
+              <a:ext uri="{FF2B5EF4-FFF2-40B4-BE49-F238E27FC236}">
+                <a16:creationId xmlns:a16="http://schemas.microsoft.com/office/drawing/2014/main" id="{41F4A7E7-DB46-FD47-7E93-CD1B4918AF67}"/>
               </a:ext>
             </a:extLst>
           </p:cNvPr>
@@ -8675,8 +9640,8 @@
         </p:blipFill>
         <p:spPr bwMode="auto">
           <a:xfrm>
-            <a:off x="2021467" y="2742397"/>
-            <a:ext cx="2213762" cy="3291840"/>
+            <a:off x="1482428" y="2742397"/>
+            <a:ext cx="3291840" cy="3291840"/>
           </a:xfrm>
           <a:prstGeom prst="rect">
             <a:avLst/>
@@ -8769,10 +9734,10 @@
       </p:sp>
       <p:pic>
         <p:nvPicPr>
-          <p:cNvPr id="4" name="Picture 4" descr="Learn JavaScript Tutorial - javatpoint">
-            <a:extLst>
-              <a:ext uri="{FF2B5EF4-FFF2-40B4-BE49-F238E27FC236}">
-                <a16:creationId xmlns:a16="http://schemas.microsoft.com/office/drawing/2014/main" id="{07AEA454-54EC-6626-069C-A8934B3F3608}"/>
+          <p:cNvPr id="4" name="Picture 2" descr="Carta da Parati Elfo di Babbo Natale sul bordo Sign - rendering 3D -  PIXERS.IT">
+            <a:extLst>
+              <a:ext uri="{FF2B5EF4-FFF2-40B4-BE49-F238E27FC236}">
+                <a16:creationId xmlns:a16="http://schemas.microsoft.com/office/drawing/2014/main" id="{C540919F-B4CF-9AFC-D2DD-7C1619690FF4}"/>
               </a:ext>
             </a:extLst>
           </p:cNvPr>
@@ -8795,8 +9760,8 @@
         </p:blipFill>
         <p:spPr bwMode="auto">
           <a:xfrm>
-            <a:off x="7417732" y="2742397"/>
-            <a:ext cx="3291840" cy="3291840"/>
+            <a:off x="6788663" y="2742397"/>
+            <a:ext cx="4549977" cy="3291840"/>
           </a:xfrm>
           <a:prstGeom prst="rect">
             <a:avLst/>
@@ -8816,7 +9781,7 @@
     </p:spTree>
     <p:extLst>
       <p:ext uri="{BB962C8B-B14F-4D97-AF65-F5344CB8AC3E}">
-        <p14:creationId xmlns:p14="http://schemas.microsoft.com/office/powerpoint/2010/main" val="611701356"/>
+        <p14:creationId xmlns:p14="http://schemas.microsoft.com/office/powerpoint/2010/main" val="1244639699"/>
       </p:ext>
     </p:extLst>
   </p:cSld>
@@ -8853,10 +9818,10 @@
       </p:grpSpPr>
       <p:sp>
         <p:nvSpPr>
-          <p:cNvPr id="3" name="CasellaDiTesto 2">
-            <a:extLst>
-              <a:ext uri="{FF2B5EF4-FFF2-40B4-BE49-F238E27FC236}">
-                <a16:creationId xmlns:a16="http://schemas.microsoft.com/office/drawing/2014/main" id="{A8CBA14F-ECA4-9B6C-9434-9FD949D4AECE}"/>
+          <p:cNvPr id="5" name="CasellaDiTesto 4">
+            <a:extLst>
+              <a:ext uri="{FF2B5EF4-FFF2-40B4-BE49-F238E27FC236}">
+                <a16:creationId xmlns:a16="http://schemas.microsoft.com/office/drawing/2014/main" id="{356A41B5-F058-D3DD-5933-029404C7D0A6}"/>
               </a:ext>
             </a:extLst>
           </p:cNvPr>
@@ -8865,8 +9830,8 @@
         </p:nvSpPr>
         <p:spPr>
           <a:xfrm>
-            <a:off x="4864100" y="338328"/>
-            <a:ext cx="6675627" cy="1605083"/>
+            <a:off x="4522304" y="338328"/>
+            <a:ext cx="7017423" cy="1605083"/>
           </a:xfrm>
           <a:prstGeom prst="rect">
             <a:avLst/>
@@ -8878,15 +9843,13 @@
           </a:bodyPr>
           <a:lstStyle/>
           <a:p>
-            <a:pPr indent="-228600">
+            <a:pPr>
               <a:lnSpc>
                 <a:spcPct val="90000"/>
               </a:lnSpc>
               <a:spcAft>
                 <a:spcPts val="600"/>
               </a:spcAft>
-              <a:buFont typeface="Arial" panose="020B0604020202020204" pitchFamily="34" charset="0"/>
-              <a:buChar char="•"/>
             </a:pPr>
             <a:r>
               <a:rPr lang="en-US" sz="2800" dirty="0">
@@ -8894,19 +9857,38 @@
                   <a:srgbClr val="C00000"/>
                 </a:solidFill>
               </a:rPr>
-              <a:t>2011</a:t>
-            </a:r>
-          </a:p>
-          <a:p>
-            <a:pPr indent="-228600">
+              <a:t>🗓️ 1995 – </a:t>
+            </a:r>
+            <a:r>
+              <a:rPr lang="en-US" sz="2800" i="1" dirty="0">
+                <a:solidFill>
+                  <a:srgbClr val="C00000"/>
+                </a:solidFill>
+              </a:rPr>
+              <a:t>Bernard </a:t>
+            </a:r>
+            <a:r>
+              <a:rPr lang="en-US" sz="2800" i="1" dirty="0" err="1">
+                <a:solidFill>
+                  <a:srgbClr val="C00000"/>
+                </a:solidFill>
+              </a:rPr>
+              <a:t>Eich</a:t>
+            </a:r>
+            <a:endParaRPr lang="en-US" sz="2800" i="1" dirty="0">
+              <a:solidFill>
+                <a:srgbClr val="C00000"/>
+              </a:solidFill>
+            </a:endParaRPr>
+          </a:p>
+          <a:p>
+            <a:pPr>
               <a:lnSpc>
                 <a:spcPct val="90000"/>
               </a:lnSpc>
               <a:spcAft>
                 <a:spcPts val="600"/>
               </a:spcAft>
-              <a:buFont typeface="Arial" panose="020B0604020202020204" pitchFamily="34" charset="0"/>
-              <a:buChar char="•"/>
             </a:pPr>
             <a:r>
               <a:rPr lang="en-US" sz="2800" dirty="0">
@@ -8914,7 +9896,7 @@
                   <a:srgbClr val="C00000"/>
                 </a:solidFill>
               </a:rPr>
-              <a:t>Sul </a:t>
+              <a:t>	JavaScript … e </a:t>
             </a:r>
             <a:r>
               <a:rPr lang="en-US" sz="2800" dirty="0" err="1">
@@ -8922,7 +9904,7 @@
                   <a:srgbClr val="C00000"/>
                 </a:solidFill>
               </a:rPr>
-              <a:t>mio</a:t>
+              <a:t>nulla</a:t>
             </a:r>
             <a:r>
               <a:rPr lang="en-US" sz="2800" dirty="0">
@@ -8930,7 +9912,7 @@
                   <a:srgbClr val="C00000"/>
                 </a:solidFill>
               </a:rPr>
-              <a:t> browser </a:t>
+              <a:t> fu </a:t>
             </a:r>
             <a:r>
               <a:rPr lang="en-US" sz="2800" dirty="0" err="1">
@@ -8938,7 +9920,7 @@
                   <a:srgbClr val="C00000"/>
                 </a:solidFill>
               </a:rPr>
-              <a:t>funziona</a:t>
+              <a:t>più</a:t>
             </a:r>
             <a:r>
               <a:rPr lang="en-US" sz="2800" dirty="0">
@@ -8946,14 +9928,14 @@
                   <a:srgbClr val="C00000"/>
                 </a:solidFill>
               </a:rPr>
-              <a:t>!</a:t>
+              <a:t> come prima!</a:t>
             </a:r>
           </a:p>
         </p:txBody>
       </p:sp>
       <p:sp>
         <p:nvSpPr>
-          <p:cNvPr id="9" name="Rectangle 8">
+          <p:cNvPr id="11" name="Rectangle 10">
             <a:extLst>
               <a:ext uri="{FF2B5EF4-FFF2-40B4-BE49-F238E27FC236}">
                 <a16:creationId xmlns:a16="http://schemas.microsoft.com/office/drawing/2014/main" id="{5AAE9118-0436-4488-AC4A-C14DF6A7B6B1}"/>
@@ -9045,7 +10027,7 @@
       </p:sp>
       <p:sp>
         <p:nvSpPr>
-          <p:cNvPr id="11" name="Rounded Rectangle 26">
+          <p:cNvPr id="13" name="Rounded Rectangle 26">
             <a:extLst>
               <a:ext uri="{FF2B5EF4-FFF2-40B4-BE49-F238E27FC236}">
                 <a16:creationId xmlns:a16="http://schemas.microsoft.com/office/drawing/2014/main" id="{1B10F861-B8F1-49C7-BD58-EAB20CEE7F93}"/>
@@ -9119,10 +10101,10 @@
       </p:sp>
       <p:pic>
         <p:nvPicPr>
-          <p:cNvPr id="4" name="Picture 2" descr=" Babbo Natale Elfo Mrs.Claus Completi Cappello di Natale Abito di Natale fantasia Per uomo Per donna Da ragazzo Da ragazza Natale Natale Carnevale vigilia di Natale Adulto Per bambini Feste Natale">
-            <a:extLst>
-              <a:ext uri="{FF2B5EF4-FFF2-40B4-BE49-F238E27FC236}">
-                <a16:creationId xmlns:a16="http://schemas.microsoft.com/office/drawing/2014/main" id="{32C388E7-5069-6663-F925-D77AE6B95257}"/>
+          <p:cNvPr id="6" name="Picture 2" descr="Caro Babbo Natale -24 &amp; Il Mondo secondo Bombetti - Mammaholic">
+            <a:extLst>
+              <a:ext uri="{FF2B5EF4-FFF2-40B4-BE49-F238E27FC236}">
+                <a16:creationId xmlns:a16="http://schemas.microsoft.com/office/drawing/2014/main" id="{2722B2FC-A5F0-A71B-10DC-573680E828D8}"/>
               </a:ext>
             </a:extLst>
           </p:cNvPr>
@@ -9132,7 +10114,7 @@
           <p:nvPr/>
         </p:nvPicPr>
         <p:blipFill>
-          <a:blip r:embed="rId2" cstate="print">
+          <a:blip r:embed="rId2">
             <a:extLst>
               <a:ext uri="{28A0092B-C50C-407E-A947-70E740481C1C}">
                 <a14:useLocalDpi xmlns:a14="http://schemas.microsoft.com/office/drawing/2010/main" val="0"/>
@@ -9145,8 +10127,8 @@
         </p:blipFill>
         <p:spPr bwMode="auto">
           <a:xfrm>
-            <a:off x="1482428" y="2742397"/>
-            <a:ext cx="3291840" cy="3291840"/>
+            <a:off x="2021467" y="2742397"/>
+            <a:ext cx="2213762" cy="3291840"/>
           </a:xfrm>
           <a:prstGeom prst="rect">
             <a:avLst/>
@@ -9165,7 +10147,7 @@
       </p:pic>
       <p:sp>
         <p:nvSpPr>
-          <p:cNvPr id="13" name="Rounded Rectangle 16">
+          <p:cNvPr id="15" name="Rounded Rectangle 16">
             <a:extLst>
               <a:ext uri="{FF2B5EF4-FFF2-40B4-BE49-F238E27FC236}">
                 <a16:creationId xmlns:a16="http://schemas.microsoft.com/office/drawing/2014/main" id="{61F6E425-22AB-4DA2-8FAC-58ADB58EF6C3}"/>
@@ -9239,10 +10221,10 @@
       </p:sp>
       <p:pic>
         <p:nvPicPr>
-          <p:cNvPr id="2" name="Picture 6" descr="google chrome - Enabling developer tools on a NACL page - Stack Overflow">
-            <a:extLst>
-              <a:ext uri="{FF2B5EF4-FFF2-40B4-BE49-F238E27FC236}">
-                <a16:creationId xmlns:a16="http://schemas.microsoft.com/office/drawing/2014/main" id="{8ED17F6F-6CA6-0816-DC4E-027206FE2AF5}"/>
+          <p:cNvPr id="4" name="Picture 4" descr="Learn JavaScript Tutorial - javatpoint">
+            <a:extLst>
+              <a:ext uri="{FF2B5EF4-FFF2-40B4-BE49-F238E27FC236}">
+                <a16:creationId xmlns:a16="http://schemas.microsoft.com/office/drawing/2014/main" id="{07AEA454-54EC-6626-069C-A8934B3F3608}"/>
               </a:ext>
             </a:extLst>
           </p:cNvPr>
@@ -9265,8 +10247,8 @@
         </p:blipFill>
         <p:spPr bwMode="auto">
           <a:xfrm>
-            <a:off x="6576484" y="2838216"/>
-            <a:ext cx="4974336" cy="3100202"/>
+            <a:off x="7417732" y="2742397"/>
+            <a:ext cx="3291840" cy="3291840"/>
           </a:xfrm>
           <a:prstGeom prst="rect">
             <a:avLst/>
@@ -9286,7 +10268,7 @@
     </p:spTree>
     <p:extLst>
       <p:ext uri="{BB962C8B-B14F-4D97-AF65-F5344CB8AC3E}">
-        <p14:creationId xmlns:p14="http://schemas.microsoft.com/office/powerpoint/2010/main" val="94915074"/>
+        <p14:creationId xmlns:p14="http://schemas.microsoft.com/office/powerpoint/2010/main" val="611701356"/>
       </p:ext>
     </p:extLst>
   </p:cSld>
@@ -9323,10 +10305,10 @@
       </p:grpSpPr>
       <p:sp>
         <p:nvSpPr>
-          <p:cNvPr id="7" name="CasellaDiTesto 6">
-            <a:extLst>
-              <a:ext uri="{FF2B5EF4-FFF2-40B4-BE49-F238E27FC236}">
-                <a16:creationId xmlns:a16="http://schemas.microsoft.com/office/drawing/2014/main" id="{FFB7EF6D-0230-366A-5C7E-441934B185C1}"/>
+          <p:cNvPr id="3" name="CasellaDiTesto 2">
+            <a:extLst>
+              <a:ext uri="{FF2B5EF4-FFF2-40B4-BE49-F238E27FC236}">
+                <a16:creationId xmlns:a16="http://schemas.microsoft.com/office/drawing/2014/main" id="{A8CBA14F-ECA4-9B6C-9434-9FD949D4AECE}"/>
               </a:ext>
             </a:extLst>
           </p:cNvPr>
@@ -9348,15 +10330,13 @@
           </a:bodyPr>
           <a:lstStyle/>
           <a:p>
-            <a:pPr indent="-228600">
+            <a:pPr>
               <a:lnSpc>
                 <a:spcPct val="90000"/>
               </a:lnSpc>
               <a:spcAft>
                 <a:spcPts val="600"/>
               </a:spcAft>
-              <a:buFont typeface="Arial" panose="020B0604020202020204" pitchFamily="34" charset="0"/>
-              <a:buChar char="•"/>
             </a:pPr>
             <a:r>
               <a:rPr lang="en-US" sz="2800" dirty="0">
@@ -9364,19 +10344,25 @@
                   <a:srgbClr val="C00000"/>
                 </a:solidFill>
               </a:rPr>
-              <a:t>2013</a:t>
-            </a:r>
-          </a:p>
-          <a:p>
-            <a:pPr indent="-228600">
+              <a:t>🗓️ 2011 - </a:t>
+            </a:r>
+            <a:r>
+              <a:rPr lang="en-US" sz="2800" i="1" dirty="0">
+                <a:solidFill>
+                  <a:srgbClr val="C00000"/>
+                </a:solidFill>
+              </a:rPr>
+              <a:t>Google</a:t>
+            </a:r>
+          </a:p>
+          <a:p>
+            <a:pPr>
               <a:lnSpc>
                 <a:spcPct val="90000"/>
               </a:lnSpc>
               <a:spcAft>
                 <a:spcPts val="600"/>
               </a:spcAft>
-              <a:buFont typeface="Arial" panose="020B0604020202020204" pitchFamily="34" charset="0"/>
-              <a:buChar char="•"/>
             </a:pPr>
             <a:r>
               <a:rPr lang="en-US" sz="2800" dirty="0">
@@ -9384,7 +10370,7 @@
                   <a:srgbClr val="C00000"/>
                 </a:solidFill>
               </a:rPr>
-              <a:t>Asm.js - </a:t>
+              <a:t>	Sul </a:t>
             </a:r>
             <a:r>
               <a:rPr lang="en-US" sz="2800" dirty="0" err="1">
@@ -9392,7 +10378,7 @@
                   <a:srgbClr val="C00000"/>
                 </a:solidFill>
               </a:rPr>
-              <a:t>Forse</a:t>
+              <a:t>mio</a:t>
             </a:r>
             <a:r>
               <a:rPr lang="en-US" sz="2800" dirty="0">
@@ -9400,7 +10386,7 @@
                   <a:srgbClr val="C00000"/>
                 </a:solidFill>
               </a:rPr>
-              <a:t> ci </a:t>
+              <a:t> browser </a:t>
             </a:r>
             <a:r>
               <a:rPr lang="en-US" sz="2800" dirty="0" err="1">
@@ -9408,19 +10394,22 @@
                   <a:srgbClr val="C00000"/>
                 </a:solidFill>
               </a:rPr>
-              <a:t>siamo</a:t>
-            </a:r>
-            <a:endParaRPr lang="en-US" sz="2800" dirty="0">
-              <a:solidFill>
-                <a:srgbClr val="C00000"/>
-              </a:solidFill>
-            </a:endParaRPr>
+              <a:t>funziona</a:t>
+            </a:r>
+            <a:r>
+              <a:rPr lang="en-US" sz="2800" dirty="0">
+                <a:solidFill>
+                  <a:srgbClr val="C00000"/>
+                </a:solidFill>
+              </a:rPr>
+              <a:t>!</a:t>
+            </a:r>
           </a:p>
         </p:txBody>
       </p:sp>
       <p:sp>
         <p:nvSpPr>
-          <p:cNvPr id="13" name="Rectangle 12">
+          <p:cNvPr id="9" name="Rectangle 8">
             <a:extLst>
               <a:ext uri="{FF2B5EF4-FFF2-40B4-BE49-F238E27FC236}">
                 <a16:creationId xmlns:a16="http://schemas.microsoft.com/office/drawing/2014/main" id="{5AAE9118-0436-4488-AC4A-C14DF6A7B6B1}"/>
@@ -9512,7 +10501,7 @@
       </p:sp>
       <p:sp>
         <p:nvSpPr>
-          <p:cNvPr id="15" name="Rounded Rectangle 26">
+          <p:cNvPr id="11" name="Rounded Rectangle 26">
             <a:extLst>
               <a:ext uri="{FF2B5EF4-FFF2-40B4-BE49-F238E27FC236}">
                 <a16:creationId xmlns:a16="http://schemas.microsoft.com/office/drawing/2014/main" id="{1B10F861-B8F1-49C7-BD58-EAB20CEE7F93}"/>
@@ -9586,10 +10575,10 @@
       </p:sp>
       <p:pic>
         <p:nvPicPr>
-          <p:cNvPr id="8" name="Picture 2" descr="Elfo di natale. aiutanti di fantasia carina di babbo natale, adorabili elfi  con regali e decorazioni">
-            <a:extLst>
-              <a:ext uri="{FF2B5EF4-FFF2-40B4-BE49-F238E27FC236}">
-                <a16:creationId xmlns:a16="http://schemas.microsoft.com/office/drawing/2014/main" id="{43381C83-7DDD-60F8-2021-5BA7E97F4655}"/>
+          <p:cNvPr id="4" name="Picture 2" descr=" Babbo Natale Elfo Mrs.Claus Completi Cappello di Natale Abito di Natale fantasia Per uomo Per donna Da ragazzo Da ragazza Natale Natale Carnevale vigilia di Natale Adulto Per bambini Feste Natale">
+            <a:extLst>
+              <a:ext uri="{FF2B5EF4-FFF2-40B4-BE49-F238E27FC236}">
+                <a16:creationId xmlns:a16="http://schemas.microsoft.com/office/drawing/2014/main" id="{32C388E7-5069-6663-F925-D77AE6B95257}"/>
               </a:ext>
             </a:extLst>
           </p:cNvPr>
@@ -9599,7 +10588,7 @@
           <p:nvPr/>
         </p:nvPicPr>
         <p:blipFill>
-          <a:blip r:embed="rId2">
+          <a:blip r:embed="rId2" cstate="print">
             <a:extLst>
               <a:ext uri="{28A0092B-C50C-407E-A947-70E740481C1C}">
                 <a14:useLocalDpi xmlns:a14="http://schemas.microsoft.com/office/drawing/2010/main" val="0"/>
@@ -9612,8 +10601,8 @@
         </p:blipFill>
         <p:spPr bwMode="auto">
           <a:xfrm>
-            <a:off x="1706872" y="2742397"/>
-            <a:ext cx="2842952" cy="3291840"/>
+            <a:off x="1482428" y="2742397"/>
+            <a:ext cx="3291840" cy="3291840"/>
           </a:xfrm>
           <a:prstGeom prst="rect">
             <a:avLst/>
@@ -9632,7 +10621,7 @@
       </p:pic>
       <p:sp>
         <p:nvSpPr>
-          <p:cNvPr id="17" name="Rounded Rectangle 16">
+          <p:cNvPr id="13" name="Rounded Rectangle 16">
             <a:extLst>
               <a:ext uri="{FF2B5EF4-FFF2-40B4-BE49-F238E27FC236}">
                 <a16:creationId xmlns:a16="http://schemas.microsoft.com/office/drawing/2014/main" id="{61F6E425-22AB-4DA2-8FAC-58ADB58EF6C3}"/>
@@ -9706,10 +10695,10 @@
       </p:sp>
       <p:pic>
         <p:nvPicPr>
-          <p:cNvPr id="6" name="Picture 8" descr="asm.js, Emscripten &amp; friends | tfw">
-            <a:extLst>
-              <a:ext uri="{FF2B5EF4-FFF2-40B4-BE49-F238E27FC236}">
-                <a16:creationId xmlns:a16="http://schemas.microsoft.com/office/drawing/2014/main" id="{1C03F257-31B6-78F0-5002-666F8BD131DF}"/>
+          <p:cNvPr id="2" name="Picture 6" descr="google chrome - Enabling developer tools on a NACL page - Stack Overflow">
+            <a:extLst>
+              <a:ext uri="{FF2B5EF4-FFF2-40B4-BE49-F238E27FC236}">
+                <a16:creationId xmlns:a16="http://schemas.microsoft.com/office/drawing/2014/main" id="{8ED17F6F-6CA6-0816-DC4E-027206FE2AF5}"/>
               </a:ext>
             </a:extLst>
           </p:cNvPr>
@@ -9732,8 +10721,8 @@
         </p:blipFill>
         <p:spPr bwMode="auto">
           <a:xfrm>
-            <a:off x="6576484" y="2995503"/>
-            <a:ext cx="4974336" cy="2785628"/>
+            <a:off x="6576484" y="2838216"/>
+            <a:ext cx="4974336" cy="3100202"/>
           </a:xfrm>
           <a:prstGeom prst="rect">
             <a:avLst/>
@@ -9753,7 +10742,7 @@
     </p:spTree>
     <p:extLst>
       <p:ext uri="{BB962C8B-B14F-4D97-AF65-F5344CB8AC3E}">
-        <p14:creationId xmlns:p14="http://schemas.microsoft.com/office/powerpoint/2010/main" val="919544591"/>
+        <p14:creationId xmlns:p14="http://schemas.microsoft.com/office/powerpoint/2010/main" val="94915074"/>
       </p:ext>
     </p:extLst>
   </p:cSld>
@@ -9790,10 +10779,10 @@
       </p:grpSpPr>
       <p:sp>
         <p:nvSpPr>
-          <p:cNvPr id="5" name="CasellaDiTesto 4">
-            <a:extLst>
-              <a:ext uri="{FF2B5EF4-FFF2-40B4-BE49-F238E27FC236}">
-                <a16:creationId xmlns:a16="http://schemas.microsoft.com/office/drawing/2014/main" id="{AFA5EFF2-52A6-87FC-0F68-0D9834E71E64}"/>
+          <p:cNvPr id="7" name="CasellaDiTesto 6">
+            <a:extLst>
+              <a:ext uri="{FF2B5EF4-FFF2-40B4-BE49-F238E27FC236}">
+                <a16:creationId xmlns:a16="http://schemas.microsoft.com/office/drawing/2014/main" id="{FFB7EF6D-0230-366A-5C7E-441934B185C1}"/>
               </a:ext>
             </a:extLst>
           </p:cNvPr>
@@ -9815,15 +10804,13 @@
           </a:bodyPr>
           <a:lstStyle/>
           <a:p>
-            <a:pPr indent="-228600">
+            <a:pPr>
               <a:lnSpc>
                 <a:spcPct val="90000"/>
               </a:lnSpc>
               <a:spcAft>
                 <a:spcPts val="600"/>
               </a:spcAft>
-              <a:buFont typeface="Arial" panose="020B0604020202020204" pitchFamily="34" charset="0"/>
-              <a:buChar char="•"/>
             </a:pPr>
             <a:r>
               <a:rPr lang="en-US" sz="2800" dirty="0">
@@ -9831,27 +10818,41 @@
                   <a:srgbClr val="C00000"/>
                 </a:solidFill>
               </a:rPr>
-              <a:t>2015</a:t>
-            </a:r>
-          </a:p>
-          <a:p>
-            <a:pPr indent="-228600">
+              <a:t>🗓️ 2013 - </a:t>
+            </a:r>
+            <a:r>
+              <a:rPr lang="en-US" sz="2800" i="1" dirty="0">
+                <a:solidFill>
+                  <a:srgbClr val="C00000"/>
+                </a:solidFill>
+              </a:rPr>
+              <a:t>Mozilla</a:t>
+            </a:r>
+          </a:p>
+          <a:p>
+            <a:pPr>
               <a:lnSpc>
                 <a:spcPct val="90000"/>
               </a:lnSpc>
               <a:spcAft>
                 <a:spcPts val="600"/>
               </a:spcAft>
-              <a:buFont typeface="Arial" panose="020B0604020202020204" pitchFamily="34" charset="0"/>
-              <a:buChar char="•"/>
             </a:pPr>
+            <a:r>
+              <a:rPr lang="en-US" sz="2800" dirty="0">
+                <a:solidFill>
+                  <a:srgbClr val="C00000"/>
+                </a:solidFill>
+              </a:rPr>
+              <a:t>	</a:t>
+            </a:r>
             <a:r>
               <a:rPr lang="en-US" sz="2800" dirty="0" err="1">
                 <a:solidFill>
                   <a:srgbClr val="C00000"/>
                 </a:solidFill>
               </a:rPr>
-              <a:t>Finalmente</a:t>
+              <a:t>Asm.js</a:t>
             </a:r>
             <a:r>
               <a:rPr lang="en-US" sz="2800" dirty="0">
@@ -9859,7 +10860,7 @@
                   <a:srgbClr val="C00000"/>
                 </a:solidFill>
               </a:rPr>
-              <a:t> </a:t>
+              <a:t> - </a:t>
             </a:r>
             <a:r>
               <a:rPr lang="en-US" sz="2800" dirty="0" err="1">
@@ -9867,7 +10868,23 @@
                   <a:srgbClr val="C00000"/>
                 </a:solidFill>
               </a:rPr>
-              <a:t>WebAssembly</a:t>
+              <a:t>Forse</a:t>
+            </a:r>
+            <a:r>
+              <a:rPr lang="en-US" sz="2800" dirty="0">
+                <a:solidFill>
+                  <a:srgbClr val="C00000"/>
+                </a:solidFill>
+              </a:rPr>
+              <a:t> ci </a:t>
+            </a:r>
+            <a:r>
+              <a:rPr lang="en-US" sz="2800" dirty="0" err="1">
+                <a:solidFill>
+                  <a:srgbClr val="C00000"/>
+                </a:solidFill>
+              </a:rPr>
+              <a:t>siamo</a:t>
             </a:r>
             <a:endParaRPr lang="en-US" sz="2800" dirty="0">
               <a:solidFill>
@@ -9879,7 +10896,7 @@
       </p:sp>
       <p:sp>
         <p:nvSpPr>
-          <p:cNvPr id="11" name="Rectangle 10">
+          <p:cNvPr id="13" name="Rectangle 12">
             <a:extLst>
               <a:ext uri="{FF2B5EF4-FFF2-40B4-BE49-F238E27FC236}">
                 <a16:creationId xmlns:a16="http://schemas.microsoft.com/office/drawing/2014/main" id="{5AAE9118-0436-4488-AC4A-C14DF6A7B6B1}"/>
@@ -9971,7 +10988,7 @@
       </p:sp>
       <p:sp>
         <p:nvSpPr>
-          <p:cNvPr id="13" name="Rounded Rectangle 26">
+          <p:cNvPr id="15" name="Rounded Rectangle 26">
             <a:extLst>
               <a:ext uri="{FF2B5EF4-FFF2-40B4-BE49-F238E27FC236}">
                 <a16:creationId xmlns:a16="http://schemas.microsoft.com/office/drawing/2014/main" id="{1B10F861-B8F1-49C7-BD58-EAB20CEE7F93}"/>
@@ -10045,10 +11062,10 @@
       </p:sp>
       <p:pic>
         <p:nvPicPr>
-          <p:cNvPr id="6" name="Picture 2" descr="Free Vector | Hand drawn santa claus riding a sleigh delivering presents">
-            <a:extLst>
-              <a:ext uri="{FF2B5EF4-FFF2-40B4-BE49-F238E27FC236}">
-                <a16:creationId xmlns:a16="http://schemas.microsoft.com/office/drawing/2014/main" id="{E488AFBC-AEF7-D5AB-0D43-A35D288FA6E4}"/>
+          <p:cNvPr id="8" name="Picture 2" descr="Elfo di natale. aiutanti di fantasia carina di babbo natale, adorabili elfi  con regali e decorazioni">
+            <a:extLst>
+              <a:ext uri="{FF2B5EF4-FFF2-40B4-BE49-F238E27FC236}">
+                <a16:creationId xmlns:a16="http://schemas.microsoft.com/office/drawing/2014/main" id="{43381C83-7DDD-60F8-2021-5BA7E97F4655}"/>
               </a:ext>
             </a:extLst>
           </p:cNvPr>
@@ -10058,7 +11075,7 @@
           <p:nvPr/>
         </p:nvPicPr>
         <p:blipFill>
-          <a:blip r:embed="rId2" cstate="print">
+          <a:blip r:embed="rId2">
             <a:extLst>
               <a:ext uri="{28A0092B-C50C-407E-A947-70E740481C1C}">
                 <a14:useLocalDpi xmlns:a14="http://schemas.microsoft.com/office/drawing/2010/main" val="0"/>
@@ -10071,8 +11088,8 @@
         </p:blipFill>
         <p:spPr bwMode="auto">
           <a:xfrm>
-            <a:off x="641180" y="2896016"/>
-            <a:ext cx="4974336" cy="2984601"/>
+            <a:off x="1706872" y="2742397"/>
+            <a:ext cx="2842952" cy="3291840"/>
           </a:xfrm>
           <a:prstGeom prst="rect">
             <a:avLst/>
@@ -10091,7 +11108,7 @@
       </p:pic>
       <p:sp>
         <p:nvSpPr>
-          <p:cNvPr id="15" name="Rounded Rectangle 16">
+          <p:cNvPr id="17" name="Rounded Rectangle 16">
             <a:extLst>
               <a:ext uri="{FF2B5EF4-FFF2-40B4-BE49-F238E27FC236}">
                 <a16:creationId xmlns:a16="http://schemas.microsoft.com/office/drawing/2014/main" id="{61F6E425-22AB-4DA2-8FAC-58ADB58EF6C3}"/>
@@ -10165,10 +11182,10 @@
       </p:sp>
       <p:pic>
         <p:nvPicPr>
-          <p:cNvPr id="4" name="Picture 10" descr="What Is WebAssembly and Why Do You Need It? - The New Stack">
-            <a:extLst>
-              <a:ext uri="{FF2B5EF4-FFF2-40B4-BE49-F238E27FC236}">
-                <a16:creationId xmlns:a16="http://schemas.microsoft.com/office/drawing/2014/main" id="{048BBD43-971D-8969-22BA-46FC51AAB242}"/>
+          <p:cNvPr id="6" name="Picture 8" descr="asm.js, Emscripten &amp; friends | tfw">
+            <a:extLst>
+              <a:ext uri="{FF2B5EF4-FFF2-40B4-BE49-F238E27FC236}">
+                <a16:creationId xmlns:a16="http://schemas.microsoft.com/office/drawing/2014/main" id="{1C03F257-31B6-78F0-5002-666F8BD131DF}"/>
               </a:ext>
             </a:extLst>
           </p:cNvPr>
@@ -10212,7 +11229,7 @@
     </p:spTree>
     <p:extLst>
       <p:ext uri="{BB962C8B-B14F-4D97-AF65-F5344CB8AC3E}">
-        <p14:creationId xmlns:p14="http://schemas.microsoft.com/office/powerpoint/2010/main" val="330614633"/>
+        <p14:creationId xmlns:p14="http://schemas.microsoft.com/office/powerpoint/2010/main" val="919544591"/>
       </p:ext>
     </p:extLst>
   </p:cSld>
@@ -10241,46 +11258,114 @@
       </p:grpSpPr>
       <p:sp>
         <p:nvSpPr>
-          <p:cNvPr id="2" name="Titolo 1">
-            <a:extLst>
-              <a:ext uri="{FF2B5EF4-FFF2-40B4-BE49-F238E27FC236}">
-                <a16:creationId xmlns:a16="http://schemas.microsoft.com/office/drawing/2014/main" id="{16192DF2-85AE-0A49-93E4-29A99805EED7}"/>
-              </a:ext>
-            </a:extLst>
-          </p:cNvPr>
-          <p:cNvSpPr>
-            <a:spLocks noGrp="1"/>
-          </p:cNvSpPr>
-          <p:nvPr>
-            <p:ph type="title"/>
-          </p:nvPr>
+          <p:cNvPr id="11" name="CasellaDiTesto 4">
+            <a:extLst>
+              <a:ext uri="{FF2B5EF4-FFF2-40B4-BE49-F238E27FC236}">
+                <a16:creationId xmlns:a16="http://schemas.microsoft.com/office/drawing/2014/main" id="{8E00E95C-64FE-AF12-652A-73145221E995}"/>
+              </a:ext>
+            </a:extLst>
+          </p:cNvPr>
+          <p:cNvSpPr txBox="1"/>
+          <p:nvPr/>
         </p:nvSpPr>
-        <p:spPr/>
+        <p:spPr>
+          <a:xfrm>
+            <a:off x="4864100" y="338328"/>
+            <a:ext cx="6675627" cy="1605083"/>
+          </a:xfrm>
+          <a:prstGeom prst="rect">
+            <a:avLst/>
+          </a:prstGeom>
+        </p:spPr>
         <p:txBody>
-          <a:bodyPr/>
+          <a:bodyPr vert="horz" lIns="91440" tIns="45720" rIns="91440" bIns="45720" rtlCol="0" anchor="ctr">
+            <a:normAutofit/>
+          </a:bodyPr>
           <a:lstStyle/>
           <a:p>
-            <a:r>
-              <a:rPr lang="it-IT" dirty="0"/>
-              <a:t>Chi ha bisogno di </a:t>
-            </a:r>
-            <a:r>
-              <a:rPr lang="it-IT" dirty="0" err="1"/>
-              <a:t>wasm</a:t>
-            </a:r>
-            <a:r>
-              <a:rPr lang="it-IT" dirty="0"/>
-              <a:t>?</a:t>
+            <a:pPr>
+              <a:lnSpc>
+                <a:spcPct val="90000"/>
+              </a:lnSpc>
+              <a:spcAft>
+                <a:spcPts val="600"/>
+              </a:spcAft>
+            </a:pPr>
+            <a:r>
+              <a:rPr lang="en-US" sz="2800" dirty="0">
+                <a:solidFill>
+                  <a:srgbClr val="C00000"/>
+                </a:solidFill>
+              </a:rPr>
+              <a:t>🗓️ 2015 – </a:t>
+            </a:r>
+            <a:r>
+              <a:rPr lang="en-US" sz="2800" i="1" dirty="0">
+                <a:solidFill>
+                  <a:srgbClr val="C00000"/>
+                </a:solidFill>
+              </a:rPr>
+              <a:t>Brendan </a:t>
+            </a:r>
+            <a:r>
+              <a:rPr lang="en-US" sz="2800" i="1" dirty="0" err="1">
+                <a:solidFill>
+                  <a:srgbClr val="C00000"/>
+                </a:solidFill>
+              </a:rPr>
+              <a:t>Eich</a:t>
+            </a:r>
+            <a:r>
+              <a:rPr lang="en-US" sz="2800" dirty="0">
+                <a:solidFill>
+                  <a:srgbClr val="C00000"/>
+                </a:solidFill>
+              </a:rPr>
+              <a:t>.. </a:t>
+            </a:r>
+            <a:r>
+              <a:rPr lang="en-US" sz="2800" dirty="0" err="1">
+                <a:solidFill>
+                  <a:srgbClr val="C00000"/>
+                </a:solidFill>
+              </a:rPr>
+              <a:t>ancora</a:t>
+            </a:r>
+            <a:r>
+              <a:rPr lang="en-US" sz="2800" dirty="0">
+                <a:solidFill>
+                  <a:srgbClr val="C00000"/>
+                </a:solidFill>
+              </a:rPr>
+              <a:t>!</a:t>
+            </a:r>
+          </a:p>
+          <a:p>
+            <a:pPr>
+              <a:lnSpc>
+                <a:spcPct val="90000"/>
+              </a:lnSpc>
+              <a:spcAft>
+                <a:spcPts val="600"/>
+              </a:spcAft>
+            </a:pPr>
+            <a:r>
+              <a:rPr lang="en-US" sz="2800" dirty="0">
+                <a:solidFill>
+                  <a:srgbClr val="C00000"/>
+                </a:solidFill>
+              </a:rPr>
+              <a:t>	</a:t>
             </a:r>
           </a:p>
         </p:txBody>
       </p:sp>
       <p:pic>
         <p:nvPicPr>
-          <p:cNvPr id="4" name="Picture 2" descr="Google Chrome, il logo poteva essere molto diverso: ecco tutte le icone  scartate">
-            <a:extLst>
-              <a:ext uri="{FF2B5EF4-FFF2-40B4-BE49-F238E27FC236}">
-                <a16:creationId xmlns:a16="http://schemas.microsoft.com/office/drawing/2014/main" id="{3195CF2D-8825-A1B1-86DE-CD8DFAD6949F}"/>
+          <p:cNvPr id="12" name="Picture 4">
+            <a:extLst>
+              <a:ext uri="{FF2B5EF4-FFF2-40B4-BE49-F238E27FC236}">
+                <a16:creationId xmlns:a16="http://schemas.microsoft.com/office/drawing/2014/main" id="{A742258A-C489-EE18-8B01-89E78E505449}"/>
               </a:ext>
             </a:extLst>
           </p:cNvPr>
@@ -10304,8 +11389,8 @@
         </p:blipFill>
         <p:spPr bwMode="auto">
           <a:xfrm>
-            <a:off x="2393330" y="1550661"/>
-            <a:ext cx="2721158" cy="1523849"/>
+            <a:off x="4185580" y="2464904"/>
+            <a:ext cx="6206232" cy="3491006"/>
           </a:xfrm>
           <a:prstGeom prst="rect">
             <a:avLst/>
@@ -10322,241 +11407,6 @@
           </a:extLst>
         </p:spPr>
       </p:pic>
-      <p:pic>
-        <p:nvPicPr>
-          <p:cNvPr id="5" name="Picture 4">
-            <a:extLst>
-              <a:ext uri="{FF2B5EF4-FFF2-40B4-BE49-F238E27FC236}">
-                <a16:creationId xmlns:a16="http://schemas.microsoft.com/office/drawing/2014/main" id="{129A2EBA-34B3-26E2-CF27-58C469325E98}"/>
-              </a:ext>
-            </a:extLst>
-          </p:cNvPr>
-          <p:cNvPicPr>
-            <a:picLocks noChangeAspect="1" noChangeArrowheads="1"/>
-          </p:cNvPicPr>
-          <p:nvPr/>
-        </p:nvPicPr>
-        <p:blipFill>
-          <a:blip r:embed="rId3" cstate="print">
-            <a:extLst>
-              <a:ext uri="{28A0092B-C50C-407E-A947-70E740481C1C}">
-                <a14:useLocalDpi xmlns:a14="http://schemas.microsoft.com/office/drawing/2010/main" val="0"/>
-              </a:ext>
-            </a:extLst>
-          </a:blip>
-          <a:srcRect/>
-          <a:stretch>
-            <a:fillRect/>
-          </a:stretch>
-        </p:blipFill>
-        <p:spPr bwMode="auto">
-          <a:xfrm>
-            <a:off x="4909781" y="1709158"/>
-            <a:ext cx="1127146" cy="1127146"/>
-          </a:xfrm>
-          <a:prstGeom prst="rect">
-            <a:avLst/>
-          </a:prstGeom>
-          <a:noFill/>
-          <a:extLst>
-            <a:ext uri="{909E8E84-426E-40DD-AFC4-6F175D3DCCD1}">
-              <a14:hiddenFill xmlns:a14="http://schemas.microsoft.com/office/drawing/2010/main">
-                <a:solidFill>
-                  <a:srgbClr val="FFFFFF"/>
-                </a:solidFill>
-              </a14:hiddenFill>
-            </a:ext>
-          </a:extLst>
-        </p:spPr>
-      </p:pic>
-      <p:pic>
-        <p:nvPicPr>
-          <p:cNvPr id="6" name="Picture 6">
-            <a:extLst>
-              <a:ext uri="{FF2B5EF4-FFF2-40B4-BE49-F238E27FC236}">
-                <a16:creationId xmlns:a16="http://schemas.microsoft.com/office/drawing/2014/main" id="{E3D1F1A6-9F8F-C2EB-3A39-E0BB5141D028}"/>
-              </a:ext>
-            </a:extLst>
-          </p:cNvPr>
-          <p:cNvPicPr>
-            <a:picLocks noChangeAspect="1" noChangeArrowheads="1"/>
-          </p:cNvPicPr>
-          <p:nvPr/>
-        </p:nvPicPr>
-        <p:blipFill>
-          <a:blip r:embed="rId4" cstate="print">
-            <a:extLst>
-              <a:ext uri="{28A0092B-C50C-407E-A947-70E740481C1C}">
-                <a14:useLocalDpi xmlns:a14="http://schemas.microsoft.com/office/drawing/2010/main" val="0"/>
-              </a:ext>
-            </a:extLst>
-          </a:blip>
-          <a:srcRect/>
-          <a:stretch>
-            <a:fillRect/>
-          </a:stretch>
-        </p:blipFill>
-        <p:spPr bwMode="auto">
-          <a:xfrm>
-            <a:off x="6572988" y="1749012"/>
-            <a:ext cx="1127146" cy="1127146"/>
-          </a:xfrm>
-          <a:prstGeom prst="rect">
-            <a:avLst/>
-          </a:prstGeom>
-          <a:noFill/>
-          <a:extLst>
-            <a:ext uri="{909E8E84-426E-40DD-AFC4-6F175D3DCCD1}">
-              <a14:hiddenFill xmlns:a14="http://schemas.microsoft.com/office/drawing/2010/main">
-                <a:solidFill>
-                  <a:srgbClr val="FFFFFF"/>
-                </a:solidFill>
-              </a14:hiddenFill>
-            </a:ext>
-          </a:extLst>
-        </p:spPr>
-      </p:pic>
-      <p:pic>
-        <p:nvPicPr>
-          <p:cNvPr id="7" name="Picture 10" descr="Desktop Computer Vector Icon for Your Web Site Design, Logo, App, UI.  Vector Illustration Stock Vector - Illustration of line, display: 151573142">
-            <a:extLst>
-              <a:ext uri="{FF2B5EF4-FFF2-40B4-BE49-F238E27FC236}">
-                <a16:creationId xmlns:a16="http://schemas.microsoft.com/office/drawing/2014/main" id="{655205C0-A94B-DD2C-E89A-FDE4A5FC7F65}"/>
-              </a:ext>
-            </a:extLst>
-          </p:cNvPr>
-          <p:cNvPicPr>
-            <a:picLocks noChangeAspect="1" noChangeArrowheads="1"/>
-          </p:cNvPicPr>
-          <p:nvPr/>
-        </p:nvPicPr>
-        <p:blipFill>
-          <a:blip r:embed="rId5">
-            <a:extLst>
-              <a:ext uri="{28A0092B-C50C-407E-A947-70E740481C1C}">
-                <a14:useLocalDpi xmlns:a14="http://schemas.microsoft.com/office/drawing/2010/main" val="0"/>
-              </a:ext>
-            </a:extLst>
-          </a:blip>
-          <a:srcRect/>
-          <a:stretch>
-            <a:fillRect/>
-          </a:stretch>
-        </p:blipFill>
-        <p:spPr bwMode="auto">
-          <a:xfrm>
-            <a:off x="2921597" y="3714347"/>
-            <a:ext cx="1706695" cy="1706695"/>
-          </a:xfrm>
-          <a:prstGeom prst="rect">
-            <a:avLst/>
-          </a:prstGeom>
-          <a:noFill/>
-          <a:extLst>
-            <a:ext uri="{909E8E84-426E-40DD-AFC4-6F175D3DCCD1}">
-              <a14:hiddenFill xmlns:a14="http://schemas.microsoft.com/office/drawing/2010/main">
-                <a:solidFill>
-                  <a:srgbClr val="FFFFFF"/>
-                </a:solidFill>
-              </a14:hiddenFill>
-            </a:ext>
-          </a:extLst>
-        </p:spPr>
-      </p:pic>
-      <p:pic>
-        <p:nvPicPr>
-          <p:cNvPr id="8" name="Picture 12" descr="Modello cell phone | PosterMyWall">
-            <a:extLst>
-              <a:ext uri="{FF2B5EF4-FFF2-40B4-BE49-F238E27FC236}">
-                <a16:creationId xmlns:a16="http://schemas.microsoft.com/office/drawing/2014/main" id="{1B167834-0F91-4C4F-3C55-627B1ECEAA37}"/>
-              </a:ext>
-            </a:extLst>
-          </p:cNvPr>
-          <p:cNvPicPr>
-            <a:picLocks noChangeAspect="1" noChangeArrowheads="1"/>
-          </p:cNvPicPr>
-          <p:nvPr/>
-        </p:nvPicPr>
-        <p:blipFill>
-          <a:blip r:embed="rId6">
-            <a:extLst>
-              <a:ext uri="{28A0092B-C50C-407E-A947-70E740481C1C}">
-                <a14:useLocalDpi xmlns:a14="http://schemas.microsoft.com/office/drawing/2010/main" val="0"/>
-              </a:ext>
-            </a:extLst>
-          </a:blip>
-          <a:srcRect/>
-          <a:stretch>
-            <a:fillRect/>
-          </a:stretch>
-        </p:blipFill>
-        <p:spPr bwMode="auto">
-          <a:xfrm>
-            <a:off x="5114488" y="3914969"/>
-            <a:ext cx="1392370" cy="1392370"/>
-          </a:xfrm>
-          <a:prstGeom prst="rect">
-            <a:avLst/>
-          </a:prstGeom>
-          <a:noFill/>
-          <a:extLst>
-            <a:ext uri="{909E8E84-426E-40DD-AFC4-6F175D3DCCD1}">
-              <a14:hiddenFill xmlns:a14="http://schemas.microsoft.com/office/drawing/2010/main">
-                <a:solidFill>
-                  <a:srgbClr val="FFFFFF"/>
-                </a:solidFill>
-              </a14:hiddenFill>
-            </a:ext>
-          </a:extLst>
-        </p:spPr>
-      </p:pic>
-      <p:pic>
-        <p:nvPicPr>
-          <p:cNvPr id="9" name="Picture 2" descr="Babbo Natale a Milano | YesMilano">
-            <a:extLst>
-              <a:ext uri="{FF2B5EF4-FFF2-40B4-BE49-F238E27FC236}">
-                <a16:creationId xmlns:a16="http://schemas.microsoft.com/office/drawing/2014/main" id="{76291CE4-ADB5-976E-B427-3EEA24C71611}"/>
-              </a:ext>
-            </a:extLst>
-          </p:cNvPr>
-          <p:cNvPicPr>
-            <a:picLocks noChangeAspect="1" noChangeArrowheads="1"/>
-          </p:cNvPicPr>
-          <p:nvPr/>
-        </p:nvPicPr>
-        <p:blipFill>
-          <a:blip r:embed="rId7">
-            <a:extLst>
-              <a:ext uri="{28A0092B-C50C-407E-A947-70E740481C1C}">
-                <a14:useLocalDpi xmlns:a14="http://schemas.microsoft.com/office/drawing/2010/main" val="0"/>
-              </a:ext>
-            </a:extLst>
-          </a:blip>
-          <a:srcRect/>
-          <a:stretch>
-            <a:fillRect/>
-          </a:stretch>
-        </p:blipFill>
-        <p:spPr bwMode="auto">
-          <a:xfrm>
-            <a:off x="8570249" y="4285756"/>
-            <a:ext cx="3238500" cy="1409700"/>
-          </a:xfrm>
-          <a:prstGeom prst="rect">
-            <a:avLst/>
-          </a:prstGeom>
-          <a:noFill/>
-          <a:extLst>
-            <a:ext uri="{909E8E84-426E-40DD-AFC4-6F175D3DCCD1}">
-              <a14:hiddenFill xmlns:a14="http://schemas.microsoft.com/office/drawing/2010/main">
-                <a:solidFill>
-                  <a:srgbClr val="FFFFFF"/>
-                </a:solidFill>
-              </a14:hiddenFill>
-            </a:ext>
-          </a:extLst>
-        </p:spPr>
-      </p:pic>
     </p:spTree>
     <p:extLst>
       <p:ext uri="{BB962C8B-B14F-4D97-AF65-F5344CB8AC3E}">
@@ -10567,252 +11417,6 @@
   <p:clrMapOvr>
     <a:masterClrMapping/>
   </p:clrMapOvr>
-  <p:timing>
-    <p:tnLst>
-      <p:par>
-        <p:cTn id="1" dur="indefinite" restart="never" nodeType="tmRoot">
-          <p:childTnLst>
-            <p:seq concurrent="1" nextAc="seek">
-              <p:cTn id="2" dur="indefinite" nodeType="mainSeq">
-                <p:childTnLst>
-                  <p:par>
-                    <p:cTn id="3" fill="hold">
-                      <p:stCondLst>
-                        <p:cond delay="indefinite"/>
-                      </p:stCondLst>
-                      <p:childTnLst>
-                        <p:par>
-                          <p:cTn id="4" fill="hold">
-                            <p:stCondLst>
-                              <p:cond delay="0"/>
-                            </p:stCondLst>
-                            <p:childTnLst>
-                              <p:par>
-                                <p:cTn id="5" presetID="1" presetClass="entr" presetSubtype="0" fill="hold" nodeType="clickEffect">
-                                  <p:stCondLst>
-                                    <p:cond delay="0"/>
-                                  </p:stCondLst>
-                                  <p:childTnLst>
-                                    <p:set>
-                                      <p:cBhvr>
-                                        <p:cTn id="6" dur="1" fill="hold">
-                                          <p:stCondLst>
-                                            <p:cond delay="0"/>
-                                          </p:stCondLst>
-                                        </p:cTn>
-                                        <p:tgtEl>
-                                          <p:spTgt spid="5"/>
-                                        </p:tgtEl>
-                                        <p:attrNameLst>
-                                          <p:attrName>style.visibility</p:attrName>
-                                        </p:attrNameLst>
-                                      </p:cBhvr>
-                                      <p:to>
-                                        <p:strVal val="visible"/>
-                                      </p:to>
-                                    </p:set>
-                                  </p:childTnLst>
-                                </p:cTn>
-                              </p:par>
-                              <p:par>
-                                <p:cTn id="7" presetID="1" presetClass="entr" presetSubtype="0" fill="hold" nodeType="withEffect">
-                                  <p:stCondLst>
-                                    <p:cond delay="0"/>
-                                  </p:stCondLst>
-                                  <p:childTnLst>
-                                    <p:set>
-                                      <p:cBhvr>
-                                        <p:cTn id="8" dur="1" fill="hold">
-                                          <p:stCondLst>
-                                            <p:cond delay="0"/>
-                                          </p:stCondLst>
-                                        </p:cTn>
-                                        <p:tgtEl>
-                                          <p:spTgt spid="4"/>
-                                        </p:tgtEl>
-                                        <p:attrNameLst>
-                                          <p:attrName>style.visibility</p:attrName>
-                                        </p:attrNameLst>
-                                      </p:cBhvr>
-                                      <p:to>
-                                        <p:strVal val="visible"/>
-                                      </p:to>
-                                    </p:set>
-                                  </p:childTnLst>
-                                </p:cTn>
-                              </p:par>
-                              <p:par>
-                                <p:cTn id="9" presetID="1" presetClass="entr" presetSubtype="0" fill="hold" nodeType="withEffect">
-                                  <p:stCondLst>
-                                    <p:cond delay="0"/>
-                                  </p:stCondLst>
-                                  <p:childTnLst>
-                                    <p:set>
-                                      <p:cBhvr>
-                                        <p:cTn id="10" dur="1" fill="hold">
-                                          <p:stCondLst>
-                                            <p:cond delay="0"/>
-                                          </p:stCondLst>
-                                        </p:cTn>
-                                        <p:tgtEl>
-                                          <p:spTgt spid="6"/>
-                                        </p:tgtEl>
-                                        <p:attrNameLst>
-                                          <p:attrName>style.visibility</p:attrName>
-                                        </p:attrNameLst>
-                                      </p:cBhvr>
-                                      <p:to>
-                                        <p:strVal val="visible"/>
-                                      </p:to>
-                                    </p:set>
-                                  </p:childTnLst>
-                                </p:cTn>
-                              </p:par>
-                            </p:childTnLst>
-                          </p:cTn>
-                        </p:par>
-                      </p:childTnLst>
-                    </p:cTn>
-                  </p:par>
-                  <p:par>
-                    <p:cTn id="11" fill="hold">
-                      <p:stCondLst>
-                        <p:cond delay="indefinite"/>
-                      </p:stCondLst>
-                      <p:childTnLst>
-                        <p:par>
-                          <p:cTn id="12" fill="hold">
-                            <p:stCondLst>
-                              <p:cond delay="0"/>
-                            </p:stCondLst>
-                            <p:childTnLst>
-                              <p:par>
-                                <p:cTn id="13" presetID="1" presetClass="entr" presetSubtype="0" fill="hold" nodeType="clickEffect">
-                                  <p:stCondLst>
-                                    <p:cond delay="0"/>
-                                  </p:stCondLst>
-                                  <p:childTnLst>
-                                    <p:set>
-                                      <p:cBhvr>
-                                        <p:cTn id="14" dur="1" fill="hold">
-                                          <p:stCondLst>
-                                            <p:cond delay="0"/>
-                                          </p:stCondLst>
-                                        </p:cTn>
-                                        <p:tgtEl>
-                                          <p:spTgt spid="7"/>
-                                        </p:tgtEl>
-                                        <p:attrNameLst>
-                                          <p:attrName>style.visibility</p:attrName>
-                                        </p:attrNameLst>
-                                      </p:cBhvr>
-                                      <p:to>
-                                        <p:strVal val="visible"/>
-                                      </p:to>
-                                    </p:set>
-                                  </p:childTnLst>
-                                </p:cTn>
-                              </p:par>
-                              <p:par>
-                                <p:cTn id="15" presetID="1" presetClass="entr" presetSubtype="0" fill="hold" nodeType="withEffect">
-                                  <p:stCondLst>
-                                    <p:cond delay="0"/>
-                                  </p:stCondLst>
-                                  <p:childTnLst>
-                                    <p:set>
-                                      <p:cBhvr>
-                                        <p:cTn id="16" dur="1" fill="hold">
-                                          <p:stCondLst>
-                                            <p:cond delay="0"/>
-                                          </p:stCondLst>
-                                        </p:cTn>
-                                        <p:tgtEl>
-                                          <p:spTgt spid="8"/>
-                                        </p:tgtEl>
-                                        <p:attrNameLst>
-                                          <p:attrName>style.visibility</p:attrName>
-                                        </p:attrNameLst>
-                                      </p:cBhvr>
-                                      <p:to>
-                                        <p:strVal val="visible"/>
-                                      </p:to>
-                                    </p:set>
-                                  </p:childTnLst>
-                                </p:cTn>
-                              </p:par>
-                            </p:childTnLst>
-                          </p:cTn>
-                        </p:par>
-                      </p:childTnLst>
-                    </p:cTn>
-                  </p:par>
-                  <p:par>
-                    <p:cTn id="17" fill="hold">
-                      <p:stCondLst>
-                        <p:cond delay="indefinite"/>
-                      </p:stCondLst>
-                      <p:childTnLst>
-                        <p:par>
-                          <p:cTn id="18" fill="hold">
-                            <p:stCondLst>
-                              <p:cond delay="0"/>
-                            </p:stCondLst>
-                            <p:childTnLst>
-                              <p:par>
-                                <p:cTn id="19" presetID="1" presetClass="entr" presetSubtype="0" fill="hold" nodeType="clickEffect">
-                                  <p:stCondLst>
-                                    <p:cond delay="0"/>
-                                  </p:stCondLst>
-                                  <p:childTnLst>
-                                    <p:set>
-                                      <p:cBhvr>
-                                        <p:cTn id="20" dur="1" fill="hold">
-                                          <p:stCondLst>
-                                            <p:cond delay="0"/>
-                                          </p:stCondLst>
-                                        </p:cTn>
-                                        <p:tgtEl>
-                                          <p:spTgt spid="9"/>
-                                        </p:tgtEl>
-                                        <p:attrNameLst>
-                                          <p:attrName>style.visibility</p:attrName>
-                                        </p:attrNameLst>
-                                      </p:cBhvr>
-                                      <p:to>
-                                        <p:strVal val="visible"/>
-                                      </p:to>
-                                    </p:set>
-                                  </p:childTnLst>
-                                </p:cTn>
-                              </p:par>
-                            </p:childTnLst>
-                          </p:cTn>
-                        </p:par>
-                      </p:childTnLst>
-                    </p:cTn>
-                  </p:par>
-                </p:childTnLst>
-              </p:cTn>
-              <p:prevCondLst>
-                <p:cond evt="onPrev" delay="0">
-                  <p:tgtEl>
-                    <p:sldTgt/>
-                  </p:tgtEl>
-                </p:cond>
-              </p:prevCondLst>
-              <p:nextCondLst>
-                <p:cond evt="onNext" delay="0">
-                  <p:tgtEl>
-                    <p:sldTgt/>
-                  </p:tgtEl>
-                </p:cond>
-              </p:nextCondLst>
-            </p:seq>
-          </p:childTnLst>
-        </p:cTn>
-      </p:par>
-    </p:tnLst>
-  </p:timing>
 </p:sld>
 </file>
 

--- a/2022/XMasDev/WebAssembly-XMASDEV2022.pptx
+++ b/2022/XMasDev/WebAssembly-XMASDEV2022.pptx
@@ -240,7 +240,7 @@
           <a:p>
             <a:fld id="{727297A4-9A49-8F45-8BB8-FCFEA36B5158}" type="slidenum">
               <a:rPr lang="it-IT" smtClean="0"/>
-              <a:t>‹#›</a:t>
+              <a:t>‹N›</a:t>
             </a:fld>
             <a:endParaRPr lang="it-IT" dirty="0"/>
           </a:p>
@@ -408,7 +408,7 @@
           <a:p>
             <a:fld id="{727297A4-9A49-8F45-8BB8-FCFEA36B5158}" type="slidenum">
               <a:rPr lang="it-IT" smtClean="0"/>
-              <a:t>‹#›</a:t>
+              <a:t>‹N›</a:t>
             </a:fld>
             <a:endParaRPr lang="it-IT"/>
           </a:p>
@@ -501,7 +501,7 @@
           <a:p>
             <a:fld id="{727297A4-9A49-8F45-8BB8-FCFEA36B5158}" type="slidenum">
               <a:rPr lang="it-IT" smtClean="0"/>
-              <a:t>‹#›</a:t>
+              <a:t>‹N›</a:t>
             </a:fld>
             <a:endParaRPr lang="it-IT"/>
           </a:p>
@@ -772,7 +772,7 @@
           <a:p>
             <a:fld id="{727297A4-9A49-8F45-8BB8-FCFEA36B5158}" type="slidenum">
               <a:rPr lang="it-IT" smtClean="0"/>
-              <a:t>‹#›</a:t>
+              <a:t>‹N›</a:t>
             </a:fld>
             <a:endParaRPr lang="it-IT"/>
           </a:p>
@@ -1048,7 +1048,7 @@
           <a:p>
             <a:fld id="{727297A4-9A49-8F45-8BB8-FCFEA36B5158}" type="slidenum">
               <a:rPr lang="it-IT" smtClean="0"/>
-              <a:t>‹#›</a:t>
+              <a:t>‹N›</a:t>
             </a:fld>
             <a:endParaRPr lang="it-IT"/>
           </a:p>
@@ -1201,7 +1201,7 @@
           <a:p>
             <a:fld id="{727297A4-9A49-8F45-8BB8-FCFEA36B5158}" type="slidenum">
               <a:rPr lang="it-IT" smtClean="0"/>
-              <a:t>‹#›</a:t>
+              <a:t>‹N›</a:t>
             </a:fld>
             <a:endParaRPr lang="it-IT"/>
           </a:p>
@@ -1364,7 +1364,7 @@
           <a:p>
             <a:fld id="{727297A4-9A49-8F45-8BB8-FCFEA36B5158}" type="slidenum">
               <a:rPr lang="it-IT" smtClean="0"/>
-              <a:t>‹#›</a:t>
+              <a:t>‹N›</a:t>
             </a:fld>
             <a:endParaRPr lang="it-IT"/>
           </a:p>
@@ -1598,7 +1598,7 @@
           <a:p>
             <a:fld id="{727297A4-9A49-8F45-8BB8-FCFEA36B5158}" type="slidenum">
               <a:rPr lang="it-IT" smtClean="0"/>
-              <a:t>‹#›</a:t>
+              <a:t>‹N›</a:t>
             </a:fld>
             <a:endParaRPr lang="it-IT"/>
           </a:p>
@@ -2578,7 +2578,7 @@
           <a:p>
             <a:fld id="{727297A4-9A49-8F45-8BB8-FCFEA36B5158}" type="slidenum">
               <a:rPr lang="it-IT" smtClean="0"/>
-              <a:t>‹#›</a:t>
+              <a:t>‹N›</a:t>
             </a:fld>
             <a:endParaRPr lang="it-IT"/>
           </a:p>
@@ -2843,7 +2843,7 @@
           <a:p>
             <a:fld id="{727297A4-9A49-8F45-8BB8-FCFEA36B5158}" type="slidenum">
               <a:rPr lang="it-IT" smtClean="0"/>
-              <a:t>‹#›</a:t>
+              <a:t>‹N›</a:t>
             </a:fld>
             <a:endParaRPr lang="it-IT"/>
           </a:p>
@@ -3038,7 +3038,7 @@
           <a:p>
             <a:fld id="{727297A4-9A49-8F45-8BB8-FCFEA36B5158}" type="slidenum">
               <a:rPr lang="it-IT" smtClean="0"/>
-              <a:t>‹#›</a:t>
+              <a:t>‹N›</a:t>
             </a:fld>
             <a:endParaRPr lang="it-IT"/>
           </a:p>
@@ -3395,7 +3395,7 @@
           <a:p>
             <a:fld id="{727297A4-9A49-8F45-8BB8-FCFEA36B5158}" type="slidenum">
               <a:rPr lang="it-IT" smtClean="0"/>
-              <a:t>‹#›</a:t>
+              <a:t>‹N›</a:t>
             </a:fld>
             <a:endParaRPr lang="it-IT"/>
           </a:p>
@@ -3684,7 +3684,7 @@
           <a:p>
             <a:fld id="{727297A4-9A49-8F45-8BB8-FCFEA36B5158}" type="slidenum">
               <a:rPr lang="it-IT" smtClean="0"/>
-              <a:t>‹#›</a:t>
+              <a:t>‹N›</a:t>
             </a:fld>
             <a:endParaRPr lang="it-IT"/>
           </a:p>
@@ -6804,7 +6804,7 @@
                                           </p:stCondLst>
                                         </p:cTn>
                                         <p:tgtEl>
-                                          <p:spTgt spid="13"/>
+                                          <p:spTgt spid="15"/>
                                         </p:tgtEl>
                                         <p:attrNameLst>
                                           <p:attrName>style.visibility</p:attrName>
@@ -6849,7 +6849,7 @@
                                           </p:stCondLst>
                                         </p:cTn>
                                         <p:tgtEl>
-                                          <p:spTgt spid="14"/>
+                                          <p:spTgt spid="13"/>
                                         </p:tgtEl>
                                         <p:attrNameLst>
                                           <p:attrName>style.visibility</p:attrName>
@@ -6862,21 +6862,39 @@
                                   </p:childTnLst>
                                 </p:cTn>
                               </p:par>
+                            </p:childTnLst>
+                          </p:cTn>
+                        </p:par>
+                      </p:childTnLst>
+                    </p:cTn>
+                  </p:par>
+                  <p:par>
+                    <p:cTn id="25" fill="hold">
+                      <p:stCondLst>
+                        <p:cond delay="indefinite"/>
+                      </p:stCondLst>
+                      <p:childTnLst>
+                        <p:par>
+                          <p:cTn id="26" fill="hold">
+                            <p:stCondLst>
+                              <p:cond delay="0"/>
+                            </p:stCondLst>
+                            <p:childTnLst>
                               <p:par>
-                                <p:cTn id="25" presetID="1" presetClass="entr" presetSubtype="0" fill="hold" nodeType="withEffect">
+                                <p:cTn id="27" presetID="1" presetClass="entr" presetSubtype="0" fill="hold" nodeType="clickEffect">
                                   <p:stCondLst>
                                     <p:cond delay="0"/>
                                   </p:stCondLst>
                                   <p:childTnLst>
                                     <p:set>
                                       <p:cBhvr>
-                                        <p:cTn id="26" dur="1" fill="hold">
+                                        <p:cTn id="28" dur="1" fill="hold">
                                           <p:stCondLst>
                                             <p:cond delay="0"/>
                                           </p:stCondLst>
                                         </p:cTn>
                                         <p:tgtEl>
-                                          <p:spTgt spid="15"/>
+                                          <p:spTgt spid="14"/>
                                         </p:tgtEl>
                                         <p:attrNameLst>
                                           <p:attrName>style.visibility</p:attrName>
